--- a/doc/slides/day4/session2/DataSharing.pptx
+++ b/doc/slides/day4/session2/DataSharing.pptx
@@ -192,7 +192,8 @@
           <a:p>
             <a:fld id="{729B3D37-B438-A64A-A7B5-35AA0CEE0374}" type="datetimeFigureOut">
               <a:rPr lang="en-US" smtClean="0"/>
-              <a:t>8/29/12</a:t>
+              <a:pPr/>
+              <a:t>8/31/12</a:t>
             </a:fld>
             <a:endParaRPr lang="en-US"/>
           </a:p>
@@ -353,6 +354,7 @@
           <a:p>
             <a:fld id="{19B8BEE1-0E6E-5E4B-96E2-81C98D2E9300}" type="slidenum">
               <a:rPr lang="en-US" smtClean="0"/>
+              <a:pPr/>
               <a:t>‹#›</a:t>
             </a:fld>
             <a:endParaRPr lang="en-US"/>
@@ -541,11 +543,15 @@
             </a:r>
             <a:r>
               <a:rPr lang="en-US" baseline="0" dirty="0" smtClean="0"/>
-              <a:t>, galaxy </a:t>
+              <a:t>, galaxy data </a:t>
+            </a:r>
+            <a:r>
+              <a:rPr lang="en-US" baseline="0" dirty="0" smtClean="0"/>
+              <a:t>sets, </a:t>
             </a:r>
             <a:r>
               <a:rPr lang="en-US" baseline="0" smtClean="0"/>
-              <a:t>data sets</a:t>
+              <a:t>biotorrents</a:t>
             </a:r>
             <a:endParaRPr lang="en-US"/>
           </a:p>
@@ -568,6 +574,7 @@
           <a:p>
             <a:fld id="{19B8BEE1-0E6E-5E4B-96E2-81C98D2E9300}" type="slidenum">
               <a:rPr lang="en-US" smtClean="0"/>
+              <a:pPr/>
               <a:t>1</a:t>
             </a:fld>
             <a:endParaRPr lang="en-US"/>
@@ -764,7 +771,7 @@
             <a:fld id="{3EFE1244-3CE7-9644-A4E6-2C76918ADA4B}" type="datetimeFigureOut">
               <a:rPr lang="en-US" smtClean="0"/>
               <a:pPr/>
-              <a:t>8/29/12</a:t>
+              <a:t>8/31/12</a:t>
             </a:fld>
             <a:endParaRPr lang="en-US"/>
           </a:p>
@@ -931,7 +938,7 @@
             <a:fld id="{3EFE1244-3CE7-9644-A4E6-2C76918ADA4B}" type="datetimeFigureOut">
               <a:rPr lang="en-US" smtClean="0"/>
               <a:pPr/>
-              <a:t>8/29/12</a:t>
+              <a:t>8/31/12</a:t>
             </a:fld>
             <a:endParaRPr lang="en-US"/>
           </a:p>
@@ -1108,7 +1115,7 @@
             <a:fld id="{3EFE1244-3CE7-9644-A4E6-2C76918ADA4B}" type="datetimeFigureOut">
               <a:rPr lang="en-US" smtClean="0"/>
               <a:pPr/>
-              <a:t>8/29/12</a:t>
+              <a:t>8/31/12</a:t>
             </a:fld>
             <a:endParaRPr lang="en-US"/>
           </a:p>
@@ -1275,7 +1282,7 @@
             <a:fld id="{3EFE1244-3CE7-9644-A4E6-2C76918ADA4B}" type="datetimeFigureOut">
               <a:rPr lang="en-US" smtClean="0"/>
               <a:pPr/>
-              <a:t>8/29/12</a:t>
+              <a:t>8/31/12</a:t>
             </a:fld>
             <a:endParaRPr lang="en-US"/>
           </a:p>
@@ -1518,7 +1525,7 @@
             <a:fld id="{3EFE1244-3CE7-9644-A4E6-2C76918ADA4B}" type="datetimeFigureOut">
               <a:rPr lang="en-US" smtClean="0"/>
               <a:pPr/>
-              <a:t>8/29/12</a:t>
+              <a:t>8/31/12</a:t>
             </a:fld>
             <a:endParaRPr lang="en-US"/>
           </a:p>
@@ -1803,7 +1810,7 @@
             <a:fld id="{3EFE1244-3CE7-9644-A4E6-2C76918ADA4B}" type="datetimeFigureOut">
               <a:rPr lang="en-US" smtClean="0"/>
               <a:pPr/>
-              <a:t>8/29/12</a:t>
+              <a:t>8/31/12</a:t>
             </a:fld>
             <a:endParaRPr lang="en-US"/>
           </a:p>
@@ -2222,7 +2229,7 @@
             <a:fld id="{3EFE1244-3CE7-9644-A4E6-2C76918ADA4B}" type="datetimeFigureOut">
               <a:rPr lang="en-US" smtClean="0"/>
               <a:pPr/>
-              <a:t>8/29/12</a:t>
+              <a:t>8/31/12</a:t>
             </a:fld>
             <a:endParaRPr lang="en-US"/>
           </a:p>
@@ -2337,7 +2344,7 @@
             <a:fld id="{3EFE1244-3CE7-9644-A4E6-2C76918ADA4B}" type="datetimeFigureOut">
               <a:rPr lang="en-US" smtClean="0"/>
               <a:pPr/>
-              <a:t>8/29/12</a:t>
+              <a:t>8/31/12</a:t>
             </a:fld>
             <a:endParaRPr lang="en-US"/>
           </a:p>
@@ -2429,7 +2436,7 @@
             <a:fld id="{3EFE1244-3CE7-9644-A4E6-2C76918ADA4B}" type="datetimeFigureOut">
               <a:rPr lang="en-US" smtClean="0"/>
               <a:pPr/>
-              <a:t>8/29/12</a:t>
+              <a:t>8/31/12</a:t>
             </a:fld>
             <a:endParaRPr lang="en-US"/>
           </a:p>
@@ -2703,7 +2710,7 @@
             <a:fld id="{3EFE1244-3CE7-9644-A4E6-2C76918ADA4B}" type="datetimeFigureOut">
               <a:rPr lang="en-US" smtClean="0"/>
               <a:pPr/>
-              <a:t>8/29/12</a:t>
+              <a:t>8/31/12</a:t>
             </a:fld>
             <a:endParaRPr lang="en-US"/>
           </a:p>
@@ -2953,7 +2960,7 @@
             <a:fld id="{3EFE1244-3CE7-9644-A4E6-2C76918ADA4B}" type="datetimeFigureOut">
               <a:rPr lang="en-US" smtClean="0"/>
               <a:pPr/>
-              <a:t>8/29/12</a:t>
+              <a:t>8/31/12</a:t>
             </a:fld>
             <a:endParaRPr lang="en-US"/>
           </a:p>
@@ -3163,7 +3170,7 @@
             <a:fld id="{3EFE1244-3CE7-9644-A4E6-2C76918ADA4B}" type="datetimeFigureOut">
               <a:rPr lang="en-US" smtClean="0"/>
               <a:pPr/>
-              <a:t>8/29/12</a:t>
+              <a:t>8/31/12</a:t>
             </a:fld>
             <a:endParaRPr lang="en-US"/>
           </a:p>

--- a/doc/slides/day4/session2/DataSharing.pptx
+++ b/doc/slides/day4/session2/DataSharing.pptx
@@ -5,10 +5,23 @@
     <p:sldMasterId id="2147483648" r:id="rId1"/>
   </p:sldMasterIdLst>
   <p:notesMasterIdLst>
-    <p:notesMasterId r:id="rId3"/>
+    <p:notesMasterId r:id="rId16"/>
   </p:notesMasterIdLst>
   <p:sldIdLst>
     <p:sldId id="256" r:id="rId2"/>
+    <p:sldId id="257" r:id="rId3"/>
+    <p:sldId id="258" r:id="rId4"/>
+    <p:sldId id="259" r:id="rId5"/>
+    <p:sldId id="260" r:id="rId6"/>
+    <p:sldId id="261" r:id="rId7"/>
+    <p:sldId id="262" r:id="rId8"/>
+    <p:sldId id="263" r:id="rId9"/>
+    <p:sldId id="264" r:id="rId10"/>
+    <p:sldId id="266" r:id="rId11"/>
+    <p:sldId id="267" r:id="rId12"/>
+    <p:sldId id="265" r:id="rId13"/>
+    <p:sldId id="268" r:id="rId14"/>
+    <p:sldId id="269" r:id="rId15"/>
   </p:sldIdLst>
   <p:sldSz cx="9144000" cy="6858000" type="screen4x3"/>
   <p:notesSz cx="6858000" cy="9144000"/>
@@ -193,7 +206,7 @@
             <a:fld id="{729B3D37-B438-A64A-A7B5-35AA0CEE0374}" type="datetimeFigureOut">
               <a:rPr lang="en-US" smtClean="0"/>
               <a:pPr/>
-              <a:t>8/31/12</a:t>
+              <a:t>9/3/12</a:t>
             </a:fld>
             <a:endParaRPr lang="en-US"/>
           </a:p>
@@ -511,7 +524,7 @@
             </a:r>
             <a:r>
               <a:rPr lang="en-US" baseline="0" dirty="0" smtClean="0"/>
-              <a:t> Short read archives. Sneaker net. Open data movement. Databases, web services, FTP, </a:t>
+              <a:t> Short read archives. Sneaker net. Open data movement. Databases, FTP, </a:t>
             </a:r>
             <a:r>
               <a:rPr lang="en-US" baseline="0" dirty="0" err="1" smtClean="0"/>
@@ -543,17 +556,17 @@
             </a:r>
             <a:r>
               <a:rPr lang="en-US" baseline="0" dirty="0" smtClean="0"/>
-              <a:t>, galaxy data </a:t>
+              <a:t>, galaxy data sets, </a:t>
+            </a:r>
+            <a:r>
+              <a:rPr lang="en-US" baseline="0" dirty="0" err="1" smtClean="0"/>
+              <a:t>biotorrents</a:t>
             </a:r>
             <a:r>
               <a:rPr lang="en-US" baseline="0" dirty="0" smtClean="0"/>
-              <a:t>sets, </a:t>
-            </a:r>
-            <a:r>
-              <a:rPr lang="en-US" baseline="0" smtClean="0"/>
-              <a:t>biotorrents</a:t>
-            </a:r>
-            <a:endParaRPr lang="en-US"/>
+              <a:t>. Exercise FTP?</a:t>
+            </a:r>
+            <a:endParaRPr lang="en-US" dirty="0"/>
           </a:p>
         </p:txBody>
       </p:sp>
@@ -771,7 +784,7 @@
             <a:fld id="{3EFE1244-3CE7-9644-A4E6-2C76918ADA4B}" type="datetimeFigureOut">
               <a:rPr lang="en-US" smtClean="0"/>
               <a:pPr/>
-              <a:t>8/31/12</a:t>
+              <a:t>9/3/12</a:t>
             </a:fld>
             <a:endParaRPr lang="en-US"/>
           </a:p>
@@ -938,7 +951,7 @@
             <a:fld id="{3EFE1244-3CE7-9644-A4E6-2C76918ADA4B}" type="datetimeFigureOut">
               <a:rPr lang="en-US" smtClean="0"/>
               <a:pPr/>
-              <a:t>8/31/12</a:t>
+              <a:t>9/3/12</a:t>
             </a:fld>
             <a:endParaRPr lang="en-US"/>
           </a:p>
@@ -1115,7 +1128,7 @@
             <a:fld id="{3EFE1244-3CE7-9644-A4E6-2C76918ADA4B}" type="datetimeFigureOut">
               <a:rPr lang="en-US" smtClean="0"/>
               <a:pPr/>
-              <a:t>8/31/12</a:t>
+              <a:t>9/3/12</a:t>
             </a:fld>
             <a:endParaRPr lang="en-US"/>
           </a:p>
@@ -1282,7 +1295,7 @@
             <a:fld id="{3EFE1244-3CE7-9644-A4E6-2C76918ADA4B}" type="datetimeFigureOut">
               <a:rPr lang="en-US" smtClean="0"/>
               <a:pPr/>
-              <a:t>8/31/12</a:t>
+              <a:t>9/3/12</a:t>
             </a:fld>
             <a:endParaRPr lang="en-US"/>
           </a:p>
@@ -1525,7 +1538,7 @@
             <a:fld id="{3EFE1244-3CE7-9644-A4E6-2C76918ADA4B}" type="datetimeFigureOut">
               <a:rPr lang="en-US" smtClean="0"/>
               <a:pPr/>
-              <a:t>8/31/12</a:t>
+              <a:t>9/3/12</a:t>
             </a:fld>
             <a:endParaRPr lang="en-US"/>
           </a:p>
@@ -1810,7 +1823,7 @@
             <a:fld id="{3EFE1244-3CE7-9644-A4E6-2C76918ADA4B}" type="datetimeFigureOut">
               <a:rPr lang="en-US" smtClean="0"/>
               <a:pPr/>
-              <a:t>8/31/12</a:t>
+              <a:t>9/3/12</a:t>
             </a:fld>
             <a:endParaRPr lang="en-US"/>
           </a:p>
@@ -2229,7 +2242,7 @@
             <a:fld id="{3EFE1244-3CE7-9644-A4E6-2C76918ADA4B}" type="datetimeFigureOut">
               <a:rPr lang="en-US" smtClean="0"/>
               <a:pPr/>
-              <a:t>8/31/12</a:t>
+              <a:t>9/3/12</a:t>
             </a:fld>
             <a:endParaRPr lang="en-US"/>
           </a:p>
@@ -2344,7 +2357,7 @@
             <a:fld id="{3EFE1244-3CE7-9644-A4E6-2C76918ADA4B}" type="datetimeFigureOut">
               <a:rPr lang="en-US" smtClean="0"/>
               <a:pPr/>
-              <a:t>8/31/12</a:t>
+              <a:t>9/3/12</a:t>
             </a:fld>
             <a:endParaRPr lang="en-US"/>
           </a:p>
@@ -2436,7 +2449,7 @@
             <a:fld id="{3EFE1244-3CE7-9644-A4E6-2C76918ADA4B}" type="datetimeFigureOut">
               <a:rPr lang="en-US" smtClean="0"/>
               <a:pPr/>
-              <a:t>8/31/12</a:t>
+              <a:t>9/3/12</a:t>
             </a:fld>
             <a:endParaRPr lang="en-US"/>
           </a:p>
@@ -2710,7 +2723,7 @@
             <a:fld id="{3EFE1244-3CE7-9644-A4E6-2C76918ADA4B}" type="datetimeFigureOut">
               <a:rPr lang="en-US" smtClean="0"/>
               <a:pPr/>
-              <a:t>8/31/12</a:t>
+              <a:t>9/3/12</a:t>
             </a:fld>
             <a:endParaRPr lang="en-US"/>
           </a:p>
@@ -2960,7 +2973,7 @@
             <a:fld id="{3EFE1244-3CE7-9644-A4E6-2C76918ADA4B}" type="datetimeFigureOut">
               <a:rPr lang="en-US" smtClean="0"/>
               <a:pPr/>
-              <a:t>8/31/12</a:t>
+              <a:t>9/3/12</a:t>
             </a:fld>
             <a:endParaRPr lang="en-US"/>
           </a:p>
@@ -3170,7 +3183,7 @@
             <a:fld id="{3EFE1244-3CE7-9644-A4E6-2C76918ADA4B}" type="datetimeFigureOut">
               <a:rPr lang="en-US" smtClean="0"/>
               <a:pPr/>
-              <a:t>8/31/12</a:t>
+              <a:t>9/3/12</a:t>
             </a:fld>
             <a:endParaRPr lang="en-US"/>
           </a:p>
@@ -3583,6 +3596,898 @@
               <a:rPr lang="en-US" smtClean="0"/>
               <a:t>14 September 2012, 11.00-12.30</a:t>
             </a:r>
+            <a:endParaRPr lang="en-US"/>
+          </a:p>
+        </p:txBody>
+      </p:sp>
+    </p:spTree>
+  </p:cSld>
+  <p:clrMapOvr>
+    <a:masterClrMapping/>
+  </p:clrMapOvr>
+</p:sld>
+</file>
+
+<file path=ppt/slides/slide10.xml><?xml version="1.0" encoding="utf-8"?>
+<p:sld xmlns:a="http://schemas.openxmlformats.org/drawingml/2006/main" xmlns:r="http://schemas.openxmlformats.org/officeDocument/2006/relationships" xmlns:mc="http://schemas.openxmlformats.org/markup-compatibility/2006" xmlns:mv="urn:schemas-microsoft-com:mac:vml" xmlns:p="http://schemas.openxmlformats.org/presentationml/2006/main" mc:Ignorable="mv" mc:PreserveAttributes="mv:*">
+  <p:cSld>
+    <p:spTree>
+      <p:nvGrpSpPr>
+        <p:cNvPr id="1" name=""/>
+        <p:cNvGrpSpPr/>
+        <p:nvPr/>
+      </p:nvGrpSpPr>
+      <p:grpSpPr>
+        <a:xfrm>
+          <a:off x="0" y="0"/>
+          <a:ext cx="0" cy="0"/>
+          <a:chOff x="0" y="0"/>
+          <a:chExt cx="0" cy="0"/>
+        </a:xfrm>
+      </p:grpSpPr>
+      <p:sp>
+        <p:nvSpPr>
+          <p:cNvPr id="2" name="Title 1"/>
+          <p:cNvSpPr>
+            <a:spLocks noGrp="1"/>
+          </p:cNvSpPr>
+          <p:nvPr>
+            <p:ph type="title"/>
+          </p:nvPr>
+        </p:nvSpPr>
+        <p:spPr/>
+        <p:txBody>
+          <a:bodyPr/>
+          <a:lstStyle/>
+          <a:p>
+            <a:r>
+              <a:rPr lang="en-US" dirty="0" smtClean="0"/>
+              <a:t>Torrents</a:t>
+            </a:r>
+            <a:endParaRPr lang="en-US" dirty="0"/>
+          </a:p>
+        </p:txBody>
+      </p:sp>
+      <p:sp>
+        <p:nvSpPr>
+          <p:cNvPr id="3" name="Content Placeholder 2"/>
+          <p:cNvSpPr>
+            <a:spLocks noGrp="1"/>
+          </p:cNvSpPr>
+          <p:nvPr>
+            <p:ph idx="1"/>
+          </p:nvPr>
+        </p:nvSpPr>
+        <p:spPr/>
+        <p:txBody>
+          <a:bodyPr/>
+          <a:lstStyle/>
+          <a:p>
+            <a:endParaRPr lang="en-US"/>
+          </a:p>
+        </p:txBody>
+      </p:sp>
+    </p:spTree>
+  </p:cSld>
+  <p:clrMapOvr>
+    <a:masterClrMapping/>
+  </p:clrMapOvr>
+</p:sld>
+</file>
+
+<file path=ppt/slides/slide11.xml><?xml version="1.0" encoding="utf-8"?>
+<p:sld xmlns:a="http://schemas.openxmlformats.org/drawingml/2006/main" xmlns:r="http://schemas.openxmlformats.org/officeDocument/2006/relationships" xmlns:mc="http://schemas.openxmlformats.org/markup-compatibility/2006" xmlns:mv="urn:schemas-microsoft-com:mac:vml" xmlns:p="http://schemas.openxmlformats.org/presentationml/2006/main" mc:Ignorable="mv" mc:PreserveAttributes="mv:*">
+  <p:cSld>
+    <p:spTree>
+      <p:nvGrpSpPr>
+        <p:cNvPr id="1" name=""/>
+        <p:cNvGrpSpPr/>
+        <p:nvPr/>
+      </p:nvGrpSpPr>
+      <p:grpSpPr>
+        <a:xfrm>
+          <a:off x="0" y="0"/>
+          <a:ext cx="0" cy="0"/>
+          <a:chOff x="0" y="0"/>
+          <a:chExt cx="0" cy="0"/>
+        </a:xfrm>
+      </p:grpSpPr>
+      <p:sp>
+        <p:nvSpPr>
+          <p:cNvPr id="2" name="Title 1"/>
+          <p:cNvSpPr>
+            <a:spLocks noGrp="1"/>
+          </p:cNvSpPr>
+          <p:nvPr>
+            <p:ph type="title"/>
+          </p:nvPr>
+        </p:nvSpPr>
+        <p:spPr/>
+        <p:txBody>
+          <a:bodyPr/>
+          <a:lstStyle/>
+          <a:p>
+            <a:r>
+              <a:rPr lang="en-US" dirty="0" smtClean="0"/>
+              <a:t>Version control</a:t>
+            </a:r>
+            <a:endParaRPr lang="en-US" dirty="0"/>
+          </a:p>
+        </p:txBody>
+      </p:sp>
+      <p:sp>
+        <p:nvSpPr>
+          <p:cNvPr id="3" name="Content Placeholder 2"/>
+          <p:cNvSpPr>
+            <a:spLocks noGrp="1"/>
+          </p:cNvSpPr>
+          <p:nvPr>
+            <p:ph idx="1"/>
+          </p:nvPr>
+        </p:nvSpPr>
+        <p:spPr/>
+        <p:txBody>
+          <a:bodyPr/>
+          <a:lstStyle/>
+          <a:p>
+            <a:endParaRPr lang="en-US"/>
+          </a:p>
+        </p:txBody>
+      </p:sp>
+    </p:spTree>
+  </p:cSld>
+  <p:clrMapOvr>
+    <a:masterClrMapping/>
+  </p:clrMapOvr>
+</p:sld>
+</file>
+
+<file path=ppt/slides/slide12.xml><?xml version="1.0" encoding="utf-8"?>
+<p:sld xmlns:a="http://schemas.openxmlformats.org/drawingml/2006/main" xmlns:r="http://schemas.openxmlformats.org/officeDocument/2006/relationships" xmlns:mc="http://schemas.openxmlformats.org/markup-compatibility/2006" xmlns:mv="urn:schemas-microsoft-com:mac:vml" xmlns:p="http://schemas.openxmlformats.org/presentationml/2006/main" mc:Ignorable="mv" mc:PreserveAttributes="mv:*">
+  <p:cSld>
+    <p:spTree>
+      <p:nvGrpSpPr>
+        <p:cNvPr id="1" name=""/>
+        <p:cNvGrpSpPr/>
+        <p:nvPr/>
+      </p:nvGrpSpPr>
+      <p:grpSpPr>
+        <a:xfrm>
+          <a:off x="0" y="0"/>
+          <a:ext cx="0" cy="0"/>
+          <a:chOff x="0" y="0"/>
+          <a:chExt cx="0" cy="0"/>
+        </a:xfrm>
+      </p:grpSpPr>
+      <p:sp>
+        <p:nvSpPr>
+          <p:cNvPr id="2" name="Title 1"/>
+          <p:cNvSpPr>
+            <a:spLocks noGrp="1"/>
+          </p:cNvSpPr>
+          <p:nvPr>
+            <p:ph type="title"/>
+          </p:nvPr>
+        </p:nvSpPr>
+        <p:spPr/>
+        <p:txBody>
+          <a:bodyPr/>
+          <a:lstStyle/>
+          <a:p>
+            <a:r>
+              <a:rPr lang="en-US" dirty="0" smtClean="0"/>
+              <a:t>Proprietary systems</a:t>
+            </a:r>
+            <a:endParaRPr lang="en-US" dirty="0"/>
+          </a:p>
+        </p:txBody>
+      </p:sp>
+      <p:sp>
+        <p:nvSpPr>
+          <p:cNvPr id="3" name="Content Placeholder 2"/>
+          <p:cNvSpPr>
+            <a:spLocks noGrp="1"/>
+          </p:cNvSpPr>
+          <p:nvPr>
+            <p:ph idx="1"/>
+          </p:nvPr>
+        </p:nvSpPr>
+        <p:spPr/>
+        <p:txBody>
+          <a:bodyPr/>
+          <a:lstStyle/>
+          <a:p>
+            <a:r>
+              <a:rPr lang="en-US" dirty="0" err="1" smtClean="0"/>
+              <a:t>WeShare</a:t>
+            </a:r>
+            <a:endParaRPr lang="en-US" dirty="0" smtClean="0"/>
+          </a:p>
+          <a:p>
+            <a:r>
+              <a:rPr lang="en-US" dirty="0" smtClean="0"/>
+              <a:t>Google Drive</a:t>
+            </a:r>
+          </a:p>
+          <a:p>
+            <a:r>
+              <a:rPr lang="en-US" dirty="0" err="1" smtClean="0"/>
+              <a:t>DropBox</a:t>
+            </a:r>
+            <a:endParaRPr lang="en-US" dirty="0"/>
+          </a:p>
+        </p:txBody>
+      </p:sp>
+    </p:spTree>
+  </p:cSld>
+  <p:clrMapOvr>
+    <a:masterClrMapping/>
+  </p:clrMapOvr>
+</p:sld>
+</file>
+
+<file path=ppt/slides/slide13.xml><?xml version="1.0" encoding="utf-8"?>
+<p:sld xmlns:a="http://schemas.openxmlformats.org/drawingml/2006/main" xmlns:r="http://schemas.openxmlformats.org/officeDocument/2006/relationships" xmlns:mc="http://schemas.openxmlformats.org/markup-compatibility/2006" xmlns:mv="urn:schemas-microsoft-com:mac:vml" xmlns:p="http://schemas.openxmlformats.org/presentationml/2006/main" mc:Ignorable="mv" mc:PreserveAttributes="mv:*">
+  <p:cSld>
+    <p:spTree>
+      <p:nvGrpSpPr>
+        <p:cNvPr id="1" name=""/>
+        <p:cNvGrpSpPr/>
+        <p:nvPr/>
+      </p:nvGrpSpPr>
+      <p:grpSpPr>
+        <a:xfrm>
+          <a:off x="0" y="0"/>
+          <a:ext cx="0" cy="0"/>
+          <a:chOff x="0" y="0"/>
+          <a:chExt cx="0" cy="0"/>
+        </a:xfrm>
+      </p:grpSpPr>
+      <p:sp>
+        <p:nvSpPr>
+          <p:cNvPr id="2" name="Title 1"/>
+          <p:cNvSpPr>
+            <a:spLocks noGrp="1"/>
+          </p:cNvSpPr>
+          <p:nvPr>
+            <p:ph type="title"/>
+          </p:nvPr>
+        </p:nvSpPr>
+        <p:spPr/>
+        <p:txBody>
+          <a:bodyPr/>
+          <a:lstStyle/>
+          <a:p>
+            <a:r>
+              <a:rPr lang="en-US" dirty="0" smtClean="0"/>
+              <a:t>Galaxy data</a:t>
+            </a:r>
+            <a:endParaRPr lang="en-US" dirty="0"/>
+          </a:p>
+        </p:txBody>
+      </p:sp>
+      <p:sp>
+        <p:nvSpPr>
+          <p:cNvPr id="3" name="Content Placeholder 2"/>
+          <p:cNvSpPr>
+            <a:spLocks noGrp="1"/>
+          </p:cNvSpPr>
+          <p:nvPr>
+            <p:ph idx="1"/>
+          </p:nvPr>
+        </p:nvSpPr>
+        <p:spPr/>
+        <p:txBody>
+          <a:bodyPr/>
+          <a:lstStyle/>
+          <a:p>
+            <a:endParaRPr lang="en-US"/>
+          </a:p>
+        </p:txBody>
+      </p:sp>
+    </p:spTree>
+  </p:cSld>
+  <p:clrMapOvr>
+    <a:masterClrMapping/>
+  </p:clrMapOvr>
+</p:sld>
+</file>
+
+<file path=ppt/slides/slide14.xml><?xml version="1.0" encoding="utf-8"?>
+<p:sld xmlns:a="http://schemas.openxmlformats.org/drawingml/2006/main" xmlns:r="http://schemas.openxmlformats.org/officeDocument/2006/relationships" xmlns:mc="http://schemas.openxmlformats.org/markup-compatibility/2006" xmlns:mv="urn:schemas-microsoft-com:mac:vml" xmlns:p="http://schemas.openxmlformats.org/presentationml/2006/main" mc:Ignorable="mv" mc:PreserveAttributes="mv:*">
+  <p:cSld>
+    <p:spTree>
+      <p:nvGrpSpPr>
+        <p:cNvPr id="1" name=""/>
+        <p:cNvGrpSpPr/>
+        <p:nvPr/>
+      </p:nvGrpSpPr>
+      <p:grpSpPr>
+        <a:xfrm>
+          <a:off x="0" y="0"/>
+          <a:ext cx="0" cy="0"/>
+          <a:chOff x="0" y="0"/>
+          <a:chExt cx="0" cy="0"/>
+        </a:xfrm>
+      </p:grpSpPr>
+      <p:sp>
+        <p:nvSpPr>
+          <p:cNvPr id="2" name="Title 1"/>
+          <p:cNvSpPr>
+            <a:spLocks noGrp="1"/>
+          </p:cNvSpPr>
+          <p:nvPr>
+            <p:ph type="title"/>
+          </p:nvPr>
+        </p:nvSpPr>
+        <p:spPr/>
+        <p:txBody>
+          <a:bodyPr/>
+          <a:lstStyle/>
+          <a:p>
+            <a:r>
+              <a:rPr lang="en-US" dirty="0" smtClean="0"/>
+              <a:t>Exercise: upload to galaxy</a:t>
+            </a:r>
+            <a:endParaRPr lang="en-US" dirty="0"/>
+          </a:p>
+        </p:txBody>
+      </p:sp>
+      <p:sp>
+        <p:nvSpPr>
+          <p:cNvPr id="3" name="Content Placeholder 2"/>
+          <p:cNvSpPr>
+            <a:spLocks noGrp="1"/>
+          </p:cNvSpPr>
+          <p:nvPr>
+            <p:ph idx="1"/>
+          </p:nvPr>
+        </p:nvSpPr>
+        <p:spPr/>
+        <p:txBody>
+          <a:bodyPr/>
+          <a:lstStyle/>
+          <a:p>
+            <a:endParaRPr lang="en-US"/>
+          </a:p>
+        </p:txBody>
+      </p:sp>
+    </p:spTree>
+  </p:cSld>
+  <p:clrMapOvr>
+    <a:masterClrMapping/>
+  </p:clrMapOvr>
+</p:sld>
+</file>
+
+<file path=ppt/slides/slide2.xml><?xml version="1.0" encoding="utf-8"?>
+<p:sld xmlns:a="http://schemas.openxmlformats.org/drawingml/2006/main" xmlns:r="http://schemas.openxmlformats.org/officeDocument/2006/relationships" xmlns:mc="http://schemas.openxmlformats.org/markup-compatibility/2006" xmlns:mv="urn:schemas-microsoft-com:mac:vml" xmlns:p="http://schemas.openxmlformats.org/presentationml/2006/main" mc:Ignorable="mv" mc:PreserveAttributes="mv:*">
+  <p:cSld>
+    <p:spTree>
+      <p:nvGrpSpPr>
+        <p:cNvPr id="1" name=""/>
+        <p:cNvGrpSpPr/>
+        <p:nvPr/>
+      </p:nvGrpSpPr>
+      <p:grpSpPr>
+        <a:xfrm>
+          <a:off x="0" y="0"/>
+          <a:ext cx="0" cy="0"/>
+          <a:chOff x="0" y="0"/>
+          <a:chExt cx="0" cy="0"/>
+        </a:xfrm>
+      </p:grpSpPr>
+      <p:sp>
+        <p:nvSpPr>
+          <p:cNvPr id="2" name="Title 1"/>
+          <p:cNvSpPr>
+            <a:spLocks noGrp="1"/>
+          </p:cNvSpPr>
+          <p:nvPr>
+            <p:ph type="title"/>
+          </p:nvPr>
+        </p:nvSpPr>
+        <p:spPr/>
+        <p:txBody>
+          <a:bodyPr/>
+          <a:lstStyle/>
+          <a:p>
+            <a:r>
+              <a:rPr lang="en-US" dirty="0" err="1" smtClean="0"/>
+              <a:t>SRA’s</a:t>
+            </a:r>
+            <a:r>
+              <a:rPr lang="en-US" dirty="0" smtClean="0"/>
+              <a:t> and data volume</a:t>
+            </a:r>
+            <a:endParaRPr lang="en-US" dirty="0"/>
+          </a:p>
+        </p:txBody>
+      </p:sp>
+      <p:sp>
+        <p:nvSpPr>
+          <p:cNvPr id="3" name="Content Placeholder 2"/>
+          <p:cNvSpPr>
+            <a:spLocks noGrp="1"/>
+          </p:cNvSpPr>
+          <p:nvPr>
+            <p:ph idx="1"/>
+          </p:nvPr>
+        </p:nvSpPr>
+        <p:spPr/>
+        <p:txBody>
+          <a:bodyPr/>
+          <a:lstStyle/>
+          <a:p>
+            <a:endParaRPr lang="en-US"/>
+          </a:p>
+        </p:txBody>
+      </p:sp>
+    </p:spTree>
+  </p:cSld>
+  <p:clrMapOvr>
+    <a:masterClrMapping/>
+  </p:clrMapOvr>
+</p:sld>
+</file>
+
+<file path=ppt/slides/slide3.xml><?xml version="1.0" encoding="utf-8"?>
+<p:sld xmlns:a="http://schemas.openxmlformats.org/drawingml/2006/main" xmlns:r="http://schemas.openxmlformats.org/officeDocument/2006/relationships" xmlns:mc="http://schemas.openxmlformats.org/markup-compatibility/2006" xmlns:mv="urn:schemas-microsoft-com:mac:vml" xmlns:p="http://schemas.openxmlformats.org/presentationml/2006/main" mc:Ignorable="mv" mc:PreserveAttributes="mv:*">
+  <p:cSld>
+    <p:spTree>
+      <p:nvGrpSpPr>
+        <p:cNvPr id="1" name=""/>
+        <p:cNvGrpSpPr/>
+        <p:nvPr/>
+      </p:nvGrpSpPr>
+      <p:grpSpPr>
+        <a:xfrm>
+          <a:off x="0" y="0"/>
+          <a:ext cx="0" cy="0"/>
+          <a:chOff x="0" y="0"/>
+          <a:chExt cx="0" cy="0"/>
+        </a:xfrm>
+      </p:grpSpPr>
+      <p:sp>
+        <p:nvSpPr>
+          <p:cNvPr id="2" name="Title 1"/>
+          <p:cNvSpPr>
+            <a:spLocks noGrp="1"/>
+          </p:cNvSpPr>
+          <p:nvPr>
+            <p:ph type="title"/>
+          </p:nvPr>
+        </p:nvSpPr>
+        <p:spPr/>
+        <p:txBody>
+          <a:bodyPr/>
+          <a:lstStyle/>
+          <a:p>
+            <a:r>
+              <a:rPr lang="en-US" dirty="0" err="1" smtClean="0"/>
+              <a:t>SneakerNet</a:t>
+            </a:r>
+            <a:endParaRPr lang="en-US" dirty="0"/>
+          </a:p>
+        </p:txBody>
+      </p:sp>
+      <p:sp>
+        <p:nvSpPr>
+          <p:cNvPr id="3" name="Content Placeholder 2"/>
+          <p:cNvSpPr>
+            <a:spLocks noGrp="1"/>
+          </p:cNvSpPr>
+          <p:nvPr>
+            <p:ph idx="1"/>
+          </p:nvPr>
+        </p:nvSpPr>
+        <p:spPr/>
+        <p:txBody>
+          <a:bodyPr/>
+          <a:lstStyle/>
+          <a:p>
+            <a:endParaRPr lang="en-US"/>
+          </a:p>
+        </p:txBody>
+      </p:sp>
+    </p:spTree>
+  </p:cSld>
+  <p:clrMapOvr>
+    <a:masterClrMapping/>
+  </p:clrMapOvr>
+</p:sld>
+</file>
+
+<file path=ppt/slides/slide4.xml><?xml version="1.0" encoding="utf-8"?>
+<p:sld xmlns:a="http://schemas.openxmlformats.org/drawingml/2006/main" xmlns:r="http://schemas.openxmlformats.org/officeDocument/2006/relationships" xmlns:mc="http://schemas.openxmlformats.org/markup-compatibility/2006" xmlns:mv="urn:schemas-microsoft-com:mac:vml" xmlns:p="http://schemas.openxmlformats.org/presentationml/2006/main" mc:Ignorable="mv" mc:PreserveAttributes="mv:*">
+  <p:cSld>
+    <p:spTree>
+      <p:nvGrpSpPr>
+        <p:cNvPr id="1" name=""/>
+        <p:cNvGrpSpPr/>
+        <p:nvPr/>
+      </p:nvGrpSpPr>
+      <p:grpSpPr>
+        <a:xfrm>
+          <a:off x="0" y="0"/>
+          <a:ext cx="0" cy="0"/>
+          <a:chOff x="0" y="0"/>
+          <a:chExt cx="0" cy="0"/>
+        </a:xfrm>
+      </p:grpSpPr>
+      <p:sp>
+        <p:nvSpPr>
+          <p:cNvPr id="2" name="Title 1"/>
+          <p:cNvSpPr>
+            <a:spLocks noGrp="1"/>
+          </p:cNvSpPr>
+          <p:nvPr>
+            <p:ph type="title"/>
+          </p:nvPr>
+        </p:nvSpPr>
+        <p:spPr/>
+        <p:txBody>
+          <a:bodyPr/>
+          <a:lstStyle/>
+          <a:p>
+            <a:r>
+              <a:rPr lang="en-US" dirty="0" smtClean="0"/>
+              <a:t>Open data</a:t>
+            </a:r>
+            <a:endParaRPr lang="en-US" dirty="0"/>
+          </a:p>
+        </p:txBody>
+      </p:sp>
+      <p:sp>
+        <p:nvSpPr>
+          <p:cNvPr id="3" name="Content Placeholder 2"/>
+          <p:cNvSpPr>
+            <a:spLocks noGrp="1"/>
+          </p:cNvSpPr>
+          <p:nvPr>
+            <p:ph idx="1"/>
+          </p:nvPr>
+        </p:nvSpPr>
+        <p:spPr/>
+        <p:txBody>
+          <a:bodyPr/>
+          <a:lstStyle/>
+          <a:p>
+            <a:endParaRPr lang="en-US"/>
+          </a:p>
+        </p:txBody>
+      </p:sp>
+    </p:spTree>
+  </p:cSld>
+  <p:clrMapOvr>
+    <a:masterClrMapping/>
+  </p:clrMapOvr>
+</p:sld>
+</file>
+
+<file path=ppt/slides/slide5.xml><?xml version="1.0" encoding="utf-8"?>
+<p:sld xmlns:a="http://schemas.openxmlformats.org/drawingml/2006/main" xmlns:r="http://schemas.openxmlformats.org/officeDocument/2006/relationships" xmlns:mc="http://schemas.openxmlformats.org/markup-compatibility/2006" xmlns:mv="urn:schemas-microsoft-com:mac:vml" xmlns:p="http://schemas.openxmlformats.org/presentationml/2006/main" mc:Ignorable="mv" mc:PreserveAttributes="mv:*">
+  <p:cSld>
+    <p:spTree>
+      <p:nvGrpSpPr>
+        <p:cNvPr id="1" name=""/>
+        <p:cNvGrpSpPr/>
+        <p:nvPr/>
+      </p:nvGrpSpPr>
+      <p:grpSpPr>
+        <a:xfrm>
+          <a:off x="0" y="0"/>
+          <a:ext cx="0" cy="0"/>
+          <a:chOff x="0" y="0"/>
+          <a:chExt cx="0" cy="0"/>
+        </a:xfrm>
+      </p:grpSpPr>
+      <p:sp>
+        <p:nvSpPr>
+          <p:cNvPr id="2" name="Title 1"/>
+          <p:cNvSpPr>
+            <a:spLocks noGrp="1"/>
+          </p:cNvSpPr>
+          <p:nvPr>
+            <p:ph type="title"/>
+          </p:nvPr>
+        </p:nvSpPr>
+        <p:spPr/>
+        <p:txBody>
+          <a:bodyPr/>
+          <a:lstStyle/>
+          <a:p>
+            <a:r>
+              <a:rPr lang="en-US" dirty="0" smtClean="0"/>
+              <a:t>Semantic web</a:t>
+            </a:r>
+            <a:endParaRPr lang="en-US" dirty="0"/>
+          </a:p>
+        </p:txBody>
+      </p:sp>
+      <p:sp>
+        <p:nvSpPr>
+          <p:cNvPr id="3" name="Content Placeholder 2"/>
+          <p:cNvSpPr>
+            <a:spLocks noGrp="1"/>
+          </p:cNvSpPr>
+          <p:nvPr>
+            <p:ph idx="1"/>
+          </p:nvPr>
+        </p:nvSpPr>
+        <p:spPr/>
+        <p:txBody>
+          <a:bodyPr/>
+          <a:lstStyle/>
+          <a:p>
+            <a:endParaRPr lang="en-US"/>
+          </a:p>
+        </p:txBody>
+      </p:sp>
+    </p:spTree>
+  </p:cSld>
+  <p:clrMapOvr>
+    <a:masterClrMapping/>
+  </p:clrMapOvr>
+</p:sld>
+</file>
+
+<file path=ppt/slides/slide6.xml><?xml version="1.0" encoding="utf-8"?>
+<p:sld xmlns:a="http://schemas.openxmlformats.org/drawingml/2006/main" xmlns:r="http://schemas.openxmlformats.org/officeDocument/2006/relationships" xmlns:mc="http://schemas.openxmlformats.org/markup-compatibility/2006" xmlns:mv="urn:schemas-microsoft-com:mac:vml" xmlns:p="http://schemas.openxmlformats.org/presentationml/2006/main" mc:Ignorable="mv" mc:PreserveAttributes="mv:*">
+  <p:cSld>
+    <p:spTree>
+      <p:nvGrpSpPr>
+        <p:cNvPr id="1" name=""/>
+        <p:cNvGrpSpPr/>
+        <p:nvPr/>
+      </p:nvGrpSpPr>
+      <p:grpSpPr>
+        <a:xfrm>
+          <a:off x="0" y="0"/>
+          <a:ext cx="0" cy="0"/>
+          <a:chOff x="0" y="0"/>
+          <a:chExt cx="0" cy="0"/>
+        </a:xfrm>
+      </p:grpSpPr>
+      <p:sp>
+        <p:nvSpPr>
+          <p:cNvPr id="2" name="Title 1"/>
+          <p:cNvSpPr>
+            <a:spLocks noGrp="1"/>
+          </p:cNvSpPr>
+          <p:nvPr>
+            <p:ph type="title"/>
+          </p:nvPr>
+        </p:nvSpPr>
+        <p:spPr/>
+        <p:txBody>
+          <a:bodyPr/>
+          <a:lstStyle/>
+          <a:p>
+            <a:r>
+              <a:rPr lang="en-US" dirty="0" smtClean="0"/>
+              <a:t>Databases</a:t>
+            </a:r>
+            <a:endParaRPr lang="en-US" dirty="0"/>
+          </a:p>
+        </p:txBody>
+      </p:sp>
+      <p:sp>
+        <p:nvSpPr>
+          <p:cNvPr id="3" name="Content Placeholder 2"/>
+          <p:cNvSpPr>
+            <a:spLocks noGrp="1"/>
+          </p:cNvSpPr>
+          <p:nvPr>
+            <p:ph idx="1"/>
+          </p:nvPr>
+        </p:nvSpPr>
+        <p:spPr/>
+        <p:txBody>
+          <a:bodyPr/>
+          <a:lstStyle/>
+          <a:p>
+            <a:endParaRPr lang="en-US"/>
+          </a:p>
+        </p:txBody>
+      </p:sp>
+    </p:spTree>
+  </p:cSld>
+  <p:clrMapOvr>
+    <a:masterClrMapping/>
+  </p:clrMapOvr>
+</p:sld>
+</file>
+
+<file path=ppt/slides/slide7.xml><?xml version="1.0" encoding="utf-8"?>
+<p:sld xmlns:a="http://schemas.openxmlformats.org/drawingml/2006/main" xmlns:r="http://schemas.openxmlformats.org/officeDocument/2006/relationships" xmlns:mc="http://schemas.openxmlformats.org/markup-compatibility/2006" xmlns:mv="urn:schemas-microsoft-com:mac:vml" xmlns:p="http://schemas.openxmlformats.org/presentationml/2006/main" mc:Ignorable="mv" mc:PreserveAttributes="mv:*">
+  <p:cSld>
+    <p:spTree>
+      <p:nvGrpSpPr>
+        <p:cNvPr id="1" name=""/>
+        <p:cNvGrpSpPr/>
+        <p:nvPr/>
+      </p:nvGrpSpPr>
+      <p:grpSpPr>
+        <a:xfrm>
+          <a:off x="0" y="0"/>
+          <a:ext cx="0" cy="0"/>
+          <a:chOff x="0" y="0"/>
+          <a:chExt cx="0" cy="0"/>
+        </a:xfrm>
+      </p:grpSpPr>
+      <p:sp>
+        <p:nvSpPr>
+          <p:cNvPr id="2" name="Title 1"/>
+          <p:cNvSpPr>
+            <a:spLocks noGrp="1"/>
+          </p:cNvSpPr>
+          <p:nvPr>
+            <p:ph type="title"/>
+          </p:nvPr>
+        </p:nvSpPr>
+        <p:spPr/>
+        <p:txBody>
+          <a:bodyPr/>
+          <a:lstStyle/>
+          <a:p>
+            <a:r>
+              <a:rPr lang="en-US" dirty="0" smtClean="0"/>
+              <a:t>FTP</a:t>
+            </a:r>
+            <a:endParaRPr lang="en-US" dirty="0"/>
+          </a:p>
+        </p:txBody>
+      </p:sp>
+      <p:sp>
+        <p:nvSpPr>
+          <p:cNvPr id="3" name="Content Placeholder 2"/>
+          <p:cNvSpPr>
+            <a:spLocks noGrp="1"/>
+          </p:cNvSpPr>
+          <p:nvPr>
+            <p:ph idx="1"/>
+          </p:nvPr>
+        </p:nvSpPr>
+        <p:spPr/>
+        <p:txBody>
+          <a:bodyPr/>
+          <a:lstStyle/>
+          <a:p>
+            <a:endParaRPr lang="en-US"/>
+          </a:p>
+        </p:txBody>
+      </p:sp>
+    </p:spTree>
+  </p:cSld>
+  <p:clrMapOvr>
+    <a:masterClrMapping/>
+  </p:clrMapOvr>
+</p:sld>
+</file>
+
+<file path=ppt/slides/slide8.xml><?xml version="1.0" encoding="utf-8"?>
+<p:sld xmlns:a="http://schemas.openxmlformats.org/drawingml/2006/main" xmlns:r="http://schemas.openxmlformats.org/officeDocument/2006/relationships" xmlns:mc="http://schemas.openxmlformats.org/markup-compatibility/2006" xmlns:mv="urn:schemas-microsoft-com:mac:vml" xmlns:p="http://schemas.openxmlformats.org/presentationml/2006/main" mc:Ignorable="mv" mc:PreserveAttributes="mv:*">
+  <p:cSld>
+    <p:spTree>
+      <p:nvGrpSpPr>
+        <p:cNvPr id="1" name=""/>
+        <p:cNvGrpSpPr/>
+        <p:nvPr/>
+      </p:nvGrpSpPr>
+      <p:grpSpPr>
+        <a:xfrm>
+          <a:off x="0" y="0"/>
+          <a:ext cx="0" cy="0"/>
+          <a:chOff x="0" y="0"/>
+          <a:chExt cx="0" cy="0"/>
+        </a:xfrm>
+      </p:grpSpPr>
+      <p:sp>
+        <p:nvSpPr>
+          <p:cNvPr id="2" name="Title 1"/>
+          <p:cNvSpPr>
+            <a:spLocks noGrp="1"/>
+          </p:cNvSpPr>
+          <p:nvPr>
+            <p:ph type="title"/>
+          </p:nvPr>
+        </p:nvSpPr>
+        <p:spPr/>
+        <p:txBody>
+          <a:bodyPr/>
+          <a:lstStyle/>
+          <a:p>
+            <a:r>
+              <a:rPr lang="en-US" dirty="0" err="1" smtClean="0"/>
+              <a:t>Rsync</a:t>
+            </a:r>
+            <a:endParaRPr lang="en-US" dirty="0"/>
+          </a:p>
+        </p:txBody>
+      </p:sp>
+      <p:sp>
+        <p:nvSpPr>
+          <p:cNvPr id="3" name="Content Placeholder 2"/>
+          <p:cNvSpPr>
+            <a:spLocks noGrp="1"/>
+          </p:cNvSpPr>
+          <p:nvPr>
+            <p:ph idx="1"/>
+          </p:nvPr>
+        </p:nvSpPr>
+        <p:spPr/>
+        <p:txBody>
+          <a:bodyPr/>
+          <a:lstStyle/>
+          <a:p>
+            <a:endParaRPr lang="en-US"/>
+          </a:p>
+        </p:txBody>
+      </p:sp>
+    </p:spTree>
+  </p:cSld>
+  <p:clrMapOvr>
+    <a:masterClrMapping/>
+  </p:clrMapOvr>
+</p:sld>
+</file>
+
+<file path=ppt/slides/slide9.xml><?xml version="1.0" encoding="utf-8"?>
+<p:sld xmlns:a="http://schemas.openxmlformats.org/drawingml/2006/main" xmlns:r="http://schemas.openxmlformats.org/officeDocument/2006/relationships" xmlns:mc="http://schemas.openxmlformats.org/markup-compatibility/2006" xmlns:mv="urn:schemas-microsoft-com:mac:vml" xmlns:p="http://schemas.openxmlformats.org/presentationml/2006/main" mc:Ignorable="mv" mc:PreserveAttributes="mv:*">
+  <p:cSld>
+    <p:spTree>
+      <p:nvGrpSpPr>
+        <p:cNvPr id="1" name=""/>
+        <p:cNvGrpSpPr/>
+        <p:nvPr/>
+      </p:nvGrpSpPr>
+      <p:grpSpPr>
+        <a:xfrm>
+          <a:off x="0" y="0"/>
+          <a:ext cx="0" cy="0"/>
+          <a:chOff x="0" y="0"/>
+          <a:chExt cx="0" cy="0"/>
+        </a:xfrm>
+      </p:grpSpPr>
+      <p:sp>
+        <p:nvSpPr>
+          <p:cNvPr id="2" name="Title 1"/>
+          <p:cNvSpPr>
+            <a:spLocks noGrp="1"/>
+          </p:cNvSpPr>
+          <p:nvPr>
+            <p:ph type="title"/>
+          </p:nvPr>
+        </p:nvSpPr>
+        <p:spPr/>
+        <p:txBody>
+          <a:bodyPr/>
+          <a:lstStyle/>
+          <a:p>
+            <a:r>
+              <a:rPr lang="en-US" dirty="0" err="1" smtClean="0"/>
+              <a:t>WebDAV</a:t>
+            </a:r>
+            <a:endParaRPr lang="en-US" dirty="0"/>
+          </a:p>
+        </p:txBody>
+      </p:sp>
+      <p:sp>
+        <p:nvSpPr>
+          <p:cNvPr id="3" name="Content Placeholder 2"/>
+          <p:cNvSpPr>
+            <a:spLocks noGrp="1"/>
+          </p:cNvSpPr>
+          <p:nvPr>
+            <p:ph idx="1"/>
+          </p:nvPr>
+        </p:nvSpPr>
+        <p:spPr/>
+        <p:txBody>
+          <a:bodyPr/>
+          <a:lstStyle/>
+          <a:p>
             <a:endParaRPr lang="en-US"/>
           </a:p>
         </p:txBody>

--- a/doc/slides/day4/session2/DataSharing.pptx
+++ b/doc/slides/day4/session2/DataSharing.pptx
@@ -206,7 +206,7 @@
             <a:fld id="{729B3D37-B438-A64A-A7B5-35AA0CEE0374}" type="datetimeFigureOut">
               <a:rPr lang="en-US" smtClean="0"/>
               <a:pPr/>
-              <a:t>9/3/12</a:t>
+              <a:t>9/4/12</a:t>
             </a:fld>
             <a:endParaRPr lang="en-US"/>
           </a:p>
@@ -784,7 +784,7 @@
             <a:fld id="{3EFE1244-3CE7-9644-A4E6-2C76918ADA4B}" type="datetimeFigureOut">
               <a:rPr lang="en-US" smtClean="0"/>
               <a:pPr/>
-              <a:t>9/3/12</a:t>
+              <a:t>9/4/12</a:t>
             </a:fld>
             <a:endParaRPr lang="en-US"/>
           </a:p>
@@ -951,7 +951,7 @@
             <a:fld id="{3EFE1244-3CE7-9644-A4E6-2C76918ADA4B}" type="datetimeFigureOut">
               <a:rPr lang="en-US" smtClean="0"/>
               <a:pPr/>
-              <a:t>9/3/12</a:t>
+              <a:t>9/4/12</a:t>
             </a:fld>
             <a:endParaRPr lang="en-US"/>
           </a:p>
@@ -1128,7 +1128,7 @@
             <a:fld id="{3EFE1244-3CE7-9644-A4E6-2C76918ADA4B}" type="datetimeFigureOut">
               <a:rPr lang="en-US" smtClean="0"/>
               <a:pPr/>
-              <a:t>9/3/12</a:t>
+              <a:t>9/4/12</a:t>
             </a:fld>
             <a:endParaRPr lang="en-US"/>
           </a:p>
@@ -1295,7 +1295,7 @@
             <a:fld id="{3EFE1244-3CE7-9644-A4E6-2C76918ADA4B}" type="datetimeFigureOut">
               <a:rPr lang="en-US" smtClean="0"/>
               <a:pPr/>
-              <a:t>9/3/12</a:t>
+              <a:t>9/4/12</a:t>
             </a:fld>
             <a:endParaRPr lang="en-US"/>
           </a:p>
@@ -1538,7 +1538,7 @@
             <a:fld id="{3EFE1244-3CE7-9644-A4E6-2C76918ADA4B}" type="datetimeFigureOut">
               <a:rPr lang="en-US" smtClean="0"/>
               <a:pPr/>
-              <a:t>9/3/12</a:t>
+              <a:t>9/4/12</a:t>
             </a:fld>
             <a:endParaRPr lang="en-US"/>
           </a:p>
@@ -1823,7 +1823,7 @@
             <a:fld id="{3EFE1244-3CE7-9644-A4E6-2C76918ADA4B}" type="datetimeFigureOut">
               <a:rPr lang="en-US" smtClean="0"/>
               <a:pPr/>
-              <a:t>9/3/12</a:t>
+              <a:t>9/4/12</a:t>
             </a:fld>
             <a:endParaRPr lang="en-US"/>
           </a:p>
@@ -2242,7 +2242,7 @@
             <a:fld id="{3EFE1244-3CE7-9644-A4E6-2C76918ADA4B}" type="datetimeFigureOut">
               <a:rPr lang="en-US" smtClean="0"/>
               <a:pPr/>
-              <a:t>9/3/12</a:t>
+              <a:t>9/4/12</a:t>
             </a:fld>
             <a:endParaRPr lang="en-US"/>
           </a:p>
@@ -2357,7 +2357,7 @@
             <a:fld id="{3EFE1244-3CE7-9644-A4E6-2C76918ADA4B}" type="datetimeFigureOut">
               <a:rPr lang="en-US" smtClean="0"/>
               <a:pPr/>
-              <a:t>9/3/12</a:t>
+              <a:t>9/4/12</a:t>
             </a:fld>
             <a:endParaRPr lang="en-US"/>
           </a:p>
@@ -2449,7 +2449,7 @@
             <a:fld id="{3EFE1244-3CE7-9644-A4E6-2C76918ADA4B}" type="datetimeFigureOut">
               <a:rPr lang="en-US" smtClean="0"/>
               <a:pPr/>
-              <a:t>9/3/12</a:t>
+              <a:t>9/4/12</a:t>
             </a:fld>
             <a:endParaRPr lang="en-US"/>
           </a:p>
@@ -2723,7 +2723,7 @@
             <a:fld id="{3EFE1244-3CE7-9644-A4E6-2C76918ADA4B}" type="datetimeFigureOut">
               <a:rPr lang="en-US" smtClean="0"/>
               <a:pPr/>
-              <a:t>9/3/12</a:t>
+              <a:t>9/4/12</a:t>
             </a:fld>
             <a:endParaRPr lang="en-US"/>
           </a:p>
@@ -2973,7 +2973,7 @@
             <a:fld id="{3EFE1244-3CE7-9644-A4E6-2C76918ADA4B}" type="datetimeFigureOut">
               <a:rPr lang="en-US" smtClean="0"/>
               <a:pPr/>
-              <a:t>9/3/12</a:t>
+              <a:t>9/4/12</a:t>
             </a:fld>
             <a:endParaRPr lang="en-US"/>
           </a:p>
@@ -3183,7 +3183,7 @@
             <a:fld id="{3EFE1244-3CE7-9644-A4E6-2C76918ADA4B}" type="datetimeFigureOut">
               <a:rPr lang="en-US" smtClean="0"/>
               <a:pPr/>
-              <a:t>9/3/12</a:t>
+              <a:t>9/4/12</a:t>
             </a:fld>
             <a:endParaRPr lang="en-US"/>
           </a:p>
@@ -3813,6 +3813,17 @@
             <a:r>
               <a:rPr lang="en-US" dirty="0" err="1" smtClean="0"/>
               <a:t>DropBox</a:t>
+            </a:r>
+            <a:endParaRPr lang="en-US" dirty="0" smtClean="0"/>
+          </a:p>
+          <a:p>
+            <a:r>
+              <a:rPr lang="en-US" dirty="0" smtClean="0"/>
+              <a:t>Amazon Simple </a:t>
+            </a:r>
+            <a:r>
+              <a:rPr lang="en-US" smtClean="0"/>
+              <a:t>Storage Service</a:t>
             </a:r>
             <a:endParaRPr lang="en-US" dirty="0"/>
           </a:p>

--- a/doc/slides/day4/session2/DataSharing.pptx
+++ b/doc/slides/day4/session2/DataSharing.pptx
@@ -11,9 +11,9 @@
     <p:sldId id="256" r:id="rId2"/>
     <p:sldId id="257" r:id="rId3"/>
     <p:sldId id="258" r:id="rId4"/>
-    <p:sldId id="259" r:id="rId5"/>
+    <p:sldId id="261" r:id="rId5"/>
     <p:sldId id="260" r:id="rId6"/>
-    <p:sldId id="261" r:id="rId7"/>
+    <p:sldId id="259" r:id="rId7"/>
     <p:sldId id="262" r:id="rId8"/>
     <p:sldId id="263" r:id="rId9"/>
     <p:sldId id="264" r:id="rId10"/>
@@ -206,7 +206,7 @@
             <a:fld id="{729B3D37-B438-A64A-A7B5-35AA0CEE0374}" type="datetimeFigureOut">
               <a:rPr lang="en-US" smtClean="0"/>
               <a:pPr/>
-              <a:t>9/4/12</a:t>
+              <a:t>9/6/12</a:t>
             </a:fld>
             <a:endParaRPr lang="en-US"/>
           </a:p>
@@ -784,7 +784,7 @@
             <a:fld id="{3EFE1244-3CE7-9644-A4E6-2C76918ADA4B}" type="datetimeFigureOut">
               <a:rPr lang="en-US" smtClean="0"/>
               <a:pPr/>
-              <a:t>9/4/12</a:t>
+              <a:t>9/6/12</a:t>
             </a:fld>
             <a:endParaRPr lang="en-US"/>
           </a:p>
@@ -951,7 +951,7 @@
             <a:fld id="{3EFE1244-3CE7-9644-A4E6-2C76918ADA4B}" type="datetimeFigureOut">
               <a:rPr lang="en-US" smtClean="0"/>
               <a:pPr/>
-              <a:t>9/4/12</a:t>
+              <a:t>9/6/12</a:t>
             </a:fld>
             <a:endParaRPr lang="en-US"/>
           </a:p>
@@ -1128,7 +1128,7 @@
             <a:fld id="{3EFE1244-3CE7-9644-A4E6-2C76918ADA4B}" type="datetimeFigureOut">
               <a:rPr lang="en-US" smtClean="0"/>
               <a:pPr/>
-              <a:t>9/4/12</a:t>
+              <a:t>9/6/12</a:t>
             </a:fld>
             <a:endParaRPr lang="en-US"/>
           </a:p>
@@ -1295,7 +1295,7 @@
             <a:fld id="{3EFE1244-3CE7-9644-A4E6-2C76918ADA4B}" type="datetimeFigureOut">
               <a:rPr lang="en-US" smtClean="0"/>
               <a:pPr/>
-              <a:t>9/4/12</a:t>
+              <a:t>9/6/12</a:t>
             </a:fld>
             <a:endParaRPr lang="en-US"/>
           </a:p>
@@ -1538,7 +1538,7 @@
             <a:fld id="{3EFE1244-3CE7-9644-A4E6-2C76918ADA4B}" type="datetimeFigureOut">
               <a:rPr lang="en-US" smtClean="0"/>
               <a:pPr/>
-              <a:t>9/4/12</a:t>
+              <a:t>9/6/12</a:t>
             </a:fld>
             <a:endParaRPr lang="en-US"/>
           </a:p>
@@ -1823,7 +1823,7 @@
             <a:fld id="{3EFE1244-3CE7-9644-A4E6-2C76918ADA4B}" type="datetimeFigureOut">
               <a:rPr lang="en-US" smtClean="0"/>
               <a:pPr/>
-              <a:t>9/4/12</a:t>
+              <a:t>9/6/12</a:t>
             </a:fld>
             <a:endParaRPr lang="en-US"/>
           </a:p>
@@ -2242,7 +2242,7 @@
             <a:fld id="{3EFE1244-3CE7-9644-A4E6-2C76918ADA4B}" type="datetimeFigureOut">
               <a:rPr lang="en-US" smtClean="0"/>
               <a:pPr/>
-              <a:t>9/4/12</a:t>
+              <a:t>9/6/12</a:t>
             </a:fld>
             <a:endParaRPr lang="en-US"/>
           </a:p>
@@ -2357,7 +2357,7 @@
             <a:fld id="{3EFE1244-3CE7-9644-A4E6-2C76918ADA4B}" type="datetimeFigureOut">
               <a:rPr lang="en-US" smtClean="0"/>
               <a:pPr/>
-              <a:t>9/4/12</a:t>
+              <a:t>9/6/12</a:t>
             </a:fld>
             <a:endParaRPr lang="en-US"/>
           </a:p>
@@ -2449,7 +2449,7 @@
             <a:fld id="{3EFE1244-3CE7-9644-A4E6-2C76918ADA4B}" type="datetimeFigureOut">
               <a:rPr lang="en-US" smtClean="0"/>
               <a:pPr/>
-              <a:t>9/4/12</a:t>
+              <a:t>9/6/12</a:t>
             </a:fld>
             <a:endParaRPr lang="en-US"/>
           </a:p>
@@ -2723,7 +2723,7 @@
             <a:fld id="{3EFE1244-3CE7-9644-A4E6-2C76918ADA4B}" type="datetimeFigureOut">
               <a:rPr lang="en-US" smtClean="0"/>
               <a:pPr/>
-              <a:t>9/4/12</a:t>
+              <a:t>9/6/12</a:t>
             </a:fld>
             <a:endParaRPr lang="en-US"/>
           </a:p>
@@ -2973,7 +2973,7 @@
             <a:fld id="{3EFE1244-3CE7-9644-A4E6-2C76918ADA4B}" type="datetimeFigureOut">
               <a:rPr lang="en-US" smtClean="0"/>
               <a:pPr/>
-              <a:t>9/4/12</a:t>
+              <a:t>9/6/12</a:t>
             </a:fld>
             <a:endParaRPr lang="en-US"/>
           </a:p>
@@ -3183,7 +3183,7 @@
             <a:fld id="{3EFE1244-3CE7-9644-A4E6-2C76918ADA4B}" type="datetimeFigureOut">
               <a:rPr lang="en-US" smtClean="0"/>
               <a:pPr/>
-              <a:t>9/4/12</a:t>
+              <a:t>9/6/12</a:t>
             </a:fld>
             <a:endParaRPr lang="en-US"/>
           </a:p>
@@ -3650,23 +3650,50 @@
       </p:sp>
       <p:sp>
         <p:nvSpPr>
-          <p:cNvPr id="3" name="Content Placeholder 2"/>
-          <p:cNvSpPr>
-            <a:spLocks noGrp="1"/>
-          </p:cNvSpPr>
-          <p:nvPr>
-            <p:ph idx="1"/>
-          </p:nvPr>
-        </p:nvSpPr>
-        <p:spPr/>
-        <p:txBody>
-          <a:bodyPr/>
-          <a:lstStyle/>
-          <a:p>
-            <a:endParaRPr lang="en-US"/>
-          </a:p>
-        </p:txBody>
-      </p:sp>
+          <p:cNvPr id="4" name="Content Placeholder 3"/>
+          <p:cNvSpPr>
+            <a:spLocks noGrp="1"/>
+          </p:cNvSpPr>
+          <p:nvPr>
+            <p:ph sz="half" idx="1"/>
+          </p:nvPr>
+        </p:nvSpPr>
+        <p:spPr/>
+        <p:txBody>
+          <a:bodyPr/>
+          <a:lstStyle/>
+          <a:p>
+            <a:endParaRPr lang="en-US"/>
+          </a:p>
+        </p:txBody>
+      </p:sp>
+      <p:pic>
+        <p:nvPicPr>
+          <p:cNvPr id="6" name="Content Placeholder 5" descr="biotorrents.png"/>
+          <p:cNvPicPr>
+            <a:picLocks noGrp="1" noChangeAspect="1"/>
+          </p:cNvPicPr>
+          <p:nvPr>
+            <p:ph sz="half" idx="2"/>
+          </p:nvPr>
+        </p:nvPicPr>
+        <p:blipFill>
+          <a:blip r:embed="rId2"/>
+          <a:srcRect t="-15300" b="-15300"/>
+          <a:stretch>
+            <a:fillRect/>
+          </a:stretch>
+        </p:blipFill>
+        <p:spPr>
+          <a:effectLst>
+            <a:outerShdw blurRad="50800" dist="38100" dir="2700000" algn="tl" rotWithShape="0">
+              <a:srgbClr val="000000">
+                <a:alpha val="43000"/>
+              </a:srgbClr>
+            </a:outerShdw>
+          </a:effectLst>
+        </p:spPr>
+      </p:pic>
     </p:spTree>
   </p:cSld>
   <p:clrMapOvr>
@@ -3717,12 +3744,31 @@
       </p:sp>
       <p:sp>
         <p:nvSpPr>
-          <p:cNvPr id="3" name="Content Placeholder 2"/>
-          <p:cNvSpPr>
-            <a:spLocks noGrp="1"/>
-          </p:cNvSpPr>
-          <p:nvPr>
-            <p:ph idx="1"/>
+          <p:cNvPr id="4" name="Content Placeholder 3"/>
+          <p:cNvSpPr>
+            <a:spLocks noGrp="1"/>
+          </p:cNvSpPr>
+          <p:nvPr>
+            <p:ph sz="half" idx="1"/>
+          </p:nvPr>
+        </p:nvSpPr>
+        <p:spPr/>
+        <p:txBody>
+          <a:bodyPr/>
+          <a:lstStyle/>
+          <a:p>
+            <a:endParaRPr lang="en-US"/>
+          </a:p>
+        </p:txBody>
+      </p:sp>
+      <p:sp>
+        <p:nvSpPr>
+          <p:cNvPr id="5" name="Content Placeholder 4"/>
+          <p:cNvSpPr>
+            <a:spLocks noGrp="1"/>
+          </p:cNvSpPr>
+          <p:nvPr>
+            <p:ph sz="half" idx="2"/>
           </p:nvPr>
         </p:nvSpPr>
         <p:spPr/>
@@ -3789,10 +3835,15 @@
             <a:spLocks noGrp="1"/>
           </p:cNvSpPr>
           <p:nvPr>
-            <p:ph idx="1"/>
-          </p:nvPr>
-        </p:nvSpPr>
-        <p:spPr/>
+            <p:ph sz="half" idx="1"/>
+          </p:nvPr>
+        </p:nvSpPr>
+        <p:spPr>
+          <a:xfrm>
+            <a:off x="1371600" y="1981200"/>
+            <a:ext cx="2819400" cy="2438400"/>
+          </a:xfrm>
+        </p:spPr>
         <p:txBody>
           <a:bodyPr/>
           <a:lstStyle/>
@@ -3819,21 +3870,59 @@
           <a:p>
             <a:r>
               <a:rPr lang="en-US" dirty="0" smtClean="0"/>
-              <a:t>Amazon Simple </a:t>
-            </a:r>
-            <a:r>
-              <a:rPr lang="en-US" smtClean="0"/>
-              <a:t>Storage Service</a:t>
+              <a:t>Amazon</a:t>
+            </a:r>
+            <a:r>
+              <a:rPr lang="en-US" dirty="0" smtClean="0"/>
+              <a:t> S3</a:t>
             </a:r>
             <a:endParaRPr lang="en-US" dirty="0"/>
           </a:p>
         </p:txBody>
       </p:sp>
+      <p:pic>
+        <p:nvPicPr>
+          <p:cNvPr id="5" name="Content Placeholder 4" descr="amazons3.png"/>
+          <p:cNvPicPr>
+            <a:picLocks noGrp="1" noChangeAspect="1"/>
+          </p:cNvPicPr>
+          <p:nvPr>
+            <p:ph sz="half" idx="2"/>
+          </p:nvPr>
+        </p:nvPicPr>
+        <p:blipFill>
+          <a:blip r:embed="rId2"/>
+          <a:srcRect/>
+          <a:stretch>
+            <a:fillRect/>
+          </a:stretch>
+        </p:blipFill>
+        <p:spPr>
+          <a:xfrm>
+            <a:off x="4191000" y="2087849"/>
+            <a:ext cx="4038600" cy="2865151"/>
+          </a:xfrm>
+          <a:effectLst>
+            <a:outerShdw blurRad="50800" dist="38100" dir="2700000" algn="tl" rotWithShape="0">
+              <a:srgbClr val="000000">
+                <a:alpha val="43000"/>
+              </a:srgbClr>
+            </a:outerShdw>
+          </a:effectLst>
+        </p:spPr>
+      </p:pic>
     </p:spTree>
   </p:cSld>
   <p:clrMapOvr>
     <a:masterClrMapping/>
   </p:clrMapOvr>
+  <p:timing>
+    <p:tnLst>
+      <p:par>
+        <p:cTn id="1" dur="indefinite" restart="never" nodeType="tmRoot"/>
+      </p:par>
+    </p:tnLst>
+  </p:timing>
 </p:sld>
 </file>
 
@@ -3879,28 +3968,62 @@
       </p:sp>
       <p:sp>
         <p:nvSpPr>
-          <p:cNvPr id="3" name="Content Placeholder 2"/>
-          <p:cNvSpPr>
-            <a:spLocks noGrp="1"/>
-          </p:cNvSpPr>
-          <p:nvPr>
-            <p:ph idx="1"/>
-          </p:nvPr>
-        </p:nvSpPr>
-        <p:spPr/>
-        <p:txBody>
-          <a:bodyPr/>
-          <a:lstStyle/>
-          <a:p>
-            <a:endParaRPr lang="en-US"/>
-          </a:p>
-        </p:txBody>
-      </p:sp>
+          <p:cNvPr id="4" name="Content Placeholder 3"/>
+          <p:cNvSpPr>
+            <a:spLocks noGrp="1"/>
+          </p:cNvSpPr>
+          <p:nvPr>
+            <p:ph sz="half" idx="1"/>
+          </p:nvPr>
+        </p:nvSpPr>
+        <p:spPr/>
+        <p:txBody>
+          <a:bodyPr/>
+          <a:lstStyle/>
+          <a:p>
+            <a:endParaRPr lang="en-US"/>
+          </a:p>
+        </p:txBody>
+      </p:sp>
+      <p:pic>
+        <p:nvPicPr>
+          <p:cNvPr id="6" name="Content Placeholder 5" descr="galaxydata.png"/>
+          <p:cNvPicPr>
+            <a:picLocks noGrp="1" noChangeAspect="1"/>
+          </p:cNvPicPr>
+          <p:nvPr>
+            <p:ph sz="half" idx="2"/>
+          </p:nvPr>
+        </p:nvPicPr>
+        <p:blipFill>
+          <a:blip r:embed="rId2"/>
+          <a:srcRect t="-379" b="-379"/>
+          <a:stretch>
+            <a:fillRect/>
+          </a:stretch>
+        </p:blipFill>
+        <p:spPr>
+          <a:effectLst>
+            <a:outerShdw blurRad="50800" dist="38100" dir="2700000" algn="tl" rotWithShape="0">
+              <a:srgbClr val="000000">
+                <a:alpha val="43000"/>
+              </a:srgbClr>
+            </a:outerShdw>
+          </a:effectLst>
+        </p:spPr>
+      </p:pic>
     </p:spTree>
   </p:cSld>
   <p:clrMapOvr>
     <a:masterClrMapping/>
   </p:clrMapOvr>
+  <p:timing>
+    <p:tnLst>
+      <p:par>
+        <p:cTn id="1" dur="indefinite" restart="never" nodeType="tmRoot"/>
+      </p:par>
+    </p:tnLst>
+  </p:timing>
 </p:sld>
 </file>
 
@@ -4030,7 +4153,7 @@
           <a:bodyPr/>
           <a:lstStyle/>
           <a:p>
-            <a:endParaRPr lang="en-US"/>
+            <a:endParaRPr lang="en-US" dirty="0"/>
           </a:p>
         </p:txBody>
       </p:sp>
@@ -4084,23 +4207,54 @@
       </p:sp>
       <p:sp>
         <p:nvSpPr>
-          <p:cNvPr id="3" name="Content Placeholder 2"/>
-          <p:cNvSpPr>
-            <a:spLocks noGrp="1"/>
-          </p:cNvSpPr>
-          <p:nvPr>
-            <p:ph idx="1"/>
-          </p:nvPr>
-        </p:nvSpPr>
-        <p:spPr/>
-        <p:txBody>
-          <a:bodyPr/>
-          <a:lstStyle/>
-          <a:p>
-            <a:endParaRPr lang="en-US"/>
-          </a:p>
-        </p:txBody>
-      </p:sp>
+          <p:cNvPr id="4" name="Content Placeholder 3"/>
+          <p:cNvSpPr>
+            <a:spLocks noGrp="1"/>
+          </p:cNvSpPr>
+          <p:nvPr>
+            <p:ph sz="half" idx="1"/>
+          </p:nvPr>
+        </p:nvSpPr>
+        <p:spPr/>
+        <p:txBody>
+          <a:bodyPr/>
+          <a:lstStyle/>
+          <a:p>
+            <a:endParaRPr lang="en-US" dirty="0"/>
+          </a:p>
+        </p:txBody>
+      </p:sp>
+      <p:pic>
+        <p:nvPicPr>
+          <p:cNvPr id="9" name="Content Placeholder 8" descr="bgi_data.png"/>
+          <p:cNvPicPr>
+            <a:picLocks noGrp="1" noChangeAspect="1"/>
+          </p:cNvPicPr>
+          <p:nvPr>
+            <p:ph sz="half" idx="2"/>
+          </p:nvPr>
+        </p:nvPicPr>
+        <p:blipFill>
+          <a:blip r:embed="rId2"/>
+          <a:srcRect/>
+          <a:stretch>
+            <a:fillRect/>
+          </a:stretch>
+        </p:blipFill>
+        <p:spPr>
+          <a:xfrm>
+            <a:off x="4648200" y="2324847"/>
+            <a:ext cx="4038600" cy="3076669"/>
+          </a:xfrm>
+          <a:effectLst>
+            <a:outerShdw blurRad="50800" dist="38100" dir="2700000" algn="tl" rotWithShape="0">
+              <a:srgbClr val="000000">
+                <a:alpha val="43000"/>
+              </a:srgbClr>
+            </a:outerShdw>
+          </a:effectLst>
+        </p:spPr>
+      </p:pic>
     </p:spTree>
   </p:cSld>
   <p:clrMapOvr>
@@ -4143,7 +4297,7 @@
           <a:p>
             <a:r>
               <a:rPr lang="en-US" dirty="0" smtClean="0"/>
-              <a:t>Open data</a:t>
+              <a:t>Databases</a:t>
             </a:r>
             <a:endParaRPr lang="en-US" dirty="0"/>
           </a:p>
@@ -4151,12 +4305,31 @@
       </p:sp>
       <p:sp>
         <p:nvSpPr>
-          <p:cNvPr id="3" name="Content Placeholder 2"/>
-          <p:cNvSpPr>
-            <a:spLocks noGrp="1"/>
-          </p:cNvSpPr>
-          <p:nvPr>
-            <p:ph idx="1"/>
+          <p:cNvPr id="4" name="Content Placeholder 3"/>
+          <p:cNvSpPr>
+            <a:spLocks noGrp="1"/>
+          </p:cNvSpPr>
+          <p:nvPr>
+            <p:ph sz="half" idx="1"/>
+          </p:nvPr>
+        </p:nvSpPr>
+        <p:spPr/>
+        <p:txBody>
+          <a:bodyPr/>
+          <a:lstStyle/>
+          <a:p>
+            <a:endParaRPr lang="en-US"/>
+          </a:p>
+        </p:txBody>
+      </p:sp>
+      <p:sp>
+        <p:nvSpPr>
+          <p:cNvPr id="5" name="Content Placeholder 4"/>
+          <p:cNvSpPr>
+            <a:spLocks noGrp="1"/>
+          </p:cNvSpPr>
+          <p:nvPr>
+            <p:ph sz="half" idx="2"/>
           </p:nvPr>
         </p:nvSpPr>
         <p:spPr/>
@@ -4218,23 +4391,42 @@
       </p:sp>
       <p:sp>
         <p:nvSpPr>
-          <p:cNvPr id="3" name="Content Placeholder 2"/>
-          <p:cNvSpPr>
-            <a:spLocks noGrp="1"/>
-          </p:cNvSpPr>
-          <p:nvPr>
-            <p:ph idx="1"/>
-          </p:nvPr>
-        </p:nvSpPr>
-        <p:spPr/>
-        <p:txBody>
-          <a:bodyPr/>
-          <a:lstStyle/>
-          <a:p>
-            <a:endParaRPr lang="en-US"/>
-          </a:p>
-        </p:txBody>
-      </p:sp>
+          <p:cNvPr id="4" name="Content Placeholder 3"/>
+          <p:cNvSpPr>
+            <a:spLocks noGrp="1"/>
+          </p:cNvSpPr>
+          <p:nvPr>
+            <p:ph sz="half" idx="1"/>
+          </p:nvPr>
+        </p:nvSpPr>
+        <p:spPr/>
+        <p:txBody>
+          <a:bodyPr/>
+          <a:lstStyle/>
+          <a:p>
+            <a:endParaRPr lang="en-US"/>
+          </a:p>
+        </p:txBody>
+      </p:sp>
+      <p:pic>
+        <p:nvPicPr>
+          <p:cNvPr id="6" name="Content Placeholder 5" descr="lod-datasets_2009-03-27_colored.png"/>
+          <p:cNvPicPr>
+            <a:picLocks noGrp="1" noChangeAspect="1"/>
+          </p:cNvPicPr>
+          <p:nvPr>
+            <p:ph sz="half" idx="2"/>
+          </p:nvPr>
+        </p:nvPicPr>
+        <p:blipFill>
+          <a:blip r:embed="rId2"/>
+          <a:srcRect t="-23320" b="-23320"/>
+          <a:stretch>
+            <a:fillRect/>
+          </a:stretch>
+        </p:blipFill>
+        <p:spPr/>
+      </p:pic>
     </p:spTree>
   </p:cSld>
   <p:clrMapOvr>
@@ -4277,7 +4469,7 @@
           <a:p>
             <a:r>
               <a:rPr lang="en-US" dirty="0" smtClean="0"/>
-              <a:t>Databases</a:t>
+              <a:t>Open data</a:t>
             </a:r>
             <a:endParaRPr lang="en-US" dirty="0"/>
           </a:p>
@@ -4285,12 +4477,31 @@
       </p:sp>
       <p:sp>
         <p:nvSpPr>
-          <p:cNvPr id="3" name="Content Placeholder 2"/>
-          <p:cNvSpPr>
-            <a:spLocks noGrp="1"/>
-          </p:cNvSpPr>
-          <p:nvPr>
-            <p:ph idx="1"/>
+          <p:cNvPr id="4" name="Content Placeholder 3"/>
+          <p:cNvSpPr>
+            <a:spLocks noGrp="1"/>
+          </p:cNvSpPr>
+          <p:nvPr>
+            <p:ph sz="half" idx="1"/>
+          </p:nvPr>
+        </p:nvSpPr>
+        <p:spPr/>
+        <p:txBody>
+          <a:bodyPr/>
+          <a:lstStyle/>
+          <a:p>
+            <a:endParaRPr lang="en-US"/>
+          </a:p>
+        </p:txBody>
+      </p:sp>
+      <p:sp>
+        <p:nvSpPr>
+          <p:cNvPr id="5" name="Content Placeholder 4"/>
+          <p:cNvSpPr>
+            <a:spLocks noGrp="1"/>
+          </p:cNvSpPr>
+          <p:nvPr>
+            <p:ph sz="half" idx="2"/>
           </p:nvPr>
         </p:nvSpPr>
         <p:spPr/>
@@ -4352,12 +4563,31 @@
       </p:sp>
       <p:sp>
         <p:nvSpPr>
-          <p:cNvPr id="3" name="Content Placeholder 2"/>
-          <p:cNvSpPr>
-            <a:spLocks noGrp="1"/>
-          </p:cNvSpPr>
-          <p:nvPr>
-            <p:ph idx="1"/>
+          <p:cNvPr id="4" name="Content Placeholder 3"/>
+          <p:cNvSpPr>
+            <a:spLocks noGrp="1"/>
+          </p:cNvSpPr>
+          <p:nvPr>
+            <p:ph sz="half" idx="1"/>
+          </p:nvPr>
+        </p:nvSpPr>
+        <p:spPr/>
+        <p:txBody>
+          <a:bodyPr/>
+          <a:lstStyle/>
+          <a:p>
+            <a:endParaRPr lang="en-US"/>
+          </a:p>
+        </p:txBody>
+      </p:sp>
+      <p:sp>
+        <p:nvSpPr>
+          <p:cNvPr id="5" name="Content Placeholder 4"/>
+          <p:cNvSpPr>
+            <a:spLocks noGrp="1"/>
+          </p:cNvSpPr>
+          <p:nvPr>
+            <p:ph sz="half" idx="2"/>
           </p:nvPr>
         </p:nvSpPr>
         <p:spPr/>
@@ -4419,12 +4649,31 @@
       </p:sp>
       <p:sp>
         <p:nvSpPr>
-          <p:cNvPr id="3" name="Content Placeholder 2"/>
-          <p:cNvSpPr>
-            <a:spLocks noGrp="1"/>
-          </p:cNvSpPr>
-          <p:nvPr>
-            <p:ph idx="1"/>
+          <p:cNvPr id="4" name="Content Placeholder 3"/>
+          <p:cNvSpPr>
+            <a:spLocks noGrp="1"/>
+          </p:cNvSpPr>
+          <p:nvPr>
+            <p:ph sz="half" idx="1"/>
+          </p:nvPr>
+        </p:nvSpPr>
+        <p:spPr/>
+        <p:txBody>
+          <a:bodyPr/>
+          <a:lstStyle/>
+          <a:p>
+            <a:endParaRPr lang="en-US"/>
+          </a:p>
+        </p:txBody>
+      </p:sp>
+      <p:sp>
+        <p:nvSpPr>
+          <p:cNvPr id="5" name="Content Placeholder 4"/>
+          <p:cNvSpPr>
+            <a:spLocks noGrp="1"/>
+          </p:cNvSpPr>
+          <p:nvPr>
+            <p:ph sz="half" idx="2"/>
           </p:nvPr>
         </p:nvSpPr>
         <p:spPr/>
@@ -4486,12 +4735,31 @@
       </p:sp>
       <p:sp>
         <p:nvSpPr>
-          <p:cNvPr id="3" name="Content Placeholder 2"/>
-          <p:cNvSpPr>
-            <a:spLocks noGrp="1"/>
-          </p:cNvSpPr>
-          <p:nvPr>
-            <p:ph idx="1"/>
+          <p:cNvPr id="4" name="Content Placeholder 3"/>
+          <p:cNvSpPr>
+            <a:spLocks noGrp="1"/>
+          </p:cNvSpPr>
+          <p:nvPr>
+            <p:ph sz="half" idx="1"/>
+          </p:nvPr>
+        </p:nvSpPr>
+        <p:spPr/>
+        <p:txBody>
+          <a:bodyPr/>
+          <a:lstStyle/>
+          <a:p>
+            <a:endParaRPr lang="en-US"/>
+          </a:p>
+        </p:txBody>
+      </p:sp>
+      <p:sp>
+        <p:nvSpPr>
+          <p:cNvPr id="5" name="Content Placeholder 4"/>
+          <p:cNvSpPr>
+            <a:spLocks noGrp="1"/>
+          </p:cNvSpPr>
+          <p:nvPr>
+            <p:ph sz="half" idx="2"/>
           </p:nvPr>
         </p:nvSpPr>
         <p:spPr/>

--- a/doc/slides/day4/session2/DataSharing.pptx
+++ b/doc/slides/day4/session2/DataSharing.pptx
@@ -5,23 +5,25 @@
     <p:sldMasterId id="2147483648" r:id="rId1"/>
   </p:sldMasterIdLst>
   <p:notesMasterIdLst>
-    <p:notesMasterId r:id="rId16"/>
+    <p:notesMasterId r:id="rId18"/>
   </p:notesMasterIdLst>
   <p:sldIdLst>
     <p:sldId id="256" r:id="rId2"/>
     <p:sldId id="257" r:id="rId3"/>
-    <p:sldId id="258" r:id="rId4"/>
-    <p:sldId id="261" r:id="rId5"/>
-    <p:sldId id="260" r:id="rId6"/>
-    <p:sldId id="259" r:id="rId7"/>
-    <p:sldId id="262" r:id="rId8"/>
-    <p:sldId id="263" r:id="rId9"/>
-    <p:sldId id="264" r:id="rId10"/>
-    <p:sldId id="266" r:id="rId11"/>
-    <p:sldId id="267" r:id="rId12"/>
-    <p:sldId id="265" r:id="rId13"/>
-    <p:sldId id="268" r:id="rId14"/>
-    <p:sldId id="269" r:id="rId15"/>
+    <p:sldId id="270" r:id="rId4"/>
+    <p:sldId id="275" r:id="rId5"/>
+    <p:sldId id="258" r:id="rId6"/>
+    <p:sldId id="262" r:id="rId7"/>
+    <p:sldId id="265" r:id="rId8"/>
+    <p:sldId id="259" r:id="rId9"/>
+    <p:sldId id="260" r:id="rId10"/>
+    <p:sldId id="268" r:id="rId11"/>
+    <p:sldId id="271" r:id="rId12"/>
+    <p:sldId id="272" r:id="rId13"/>
+    <p:sldId id="273" r:id="rId14"/>
+    <p:sldId id="274" r:id="rId15"/>
+    <p:sldId id="276" r:id="rId16"/>
+    <p:sldId id="269" r:id="rId17"/>
   </p:sldIdLst>
   <p:sldSz cx="9144000" cy="6858000" type="screen4x3"/>
   <p:notesSz cx="6858000" cy="9144000"/>
@@ -206,7 +208,7 @@
             <a:fld id="{729B3D37-B438-A64A-A7B5-35AA0CEE0374}" type="datetimeFigureOut">
               <a:rPr lang="en-US" smtClean="0"/>
               <a:pPr/>
-              <a:t>9/6/12</a:t>
+              <a:t>9/9/12</a:t>
             </a:fld>
             <a:endParaRPr lang="en-US"/>
           </a:p>
@@ -784,7 +786,7 @@
             <a:fld id="{3EFE1244-3CE7-9644-A4E6-2C76918ADA4B}" type="datetimeFigureOut">
               <a:rPr lang="en-US" smtClean="0"/>
               <a:pPr/>
-              <a:t>9/6/12</a:t>
+              <a:t>9/9/12</a:t>
             </a:fld>
             <a:endParaRPr lang="en-US"/>
           </a:p>
@@ -951,7 +953,7 @@
             <a:fld id="{3EFE1244-3CE7-9644-A4E6-2C76918ADA4B}" type="datetimeFigureOut">
               <a:rPr lang="en-US" smtClean="0"/>
               <a:pPr/>
-              <a:t>9/6/12</a:t>
+              <a:t>9/9/12</a:t>
             </a:fld>
             <a:endParaRPr lang="en-US"/>
           </a:p>
@@ -1128,7 +1130,7 @@
             <a:fld id="{3EFE1244-3CE7-9644-A4E6-2C76918ADA4B}" type="datetimeFigureOut">
               <a:rPr lang="en-US" smtClean="0"/>
               <a:pPr/>
-              <a:t>9/6/12</a:t>
+              <a:t>9/9/12</a:t>
             </a:fld>
             <a:endParaRPr lang="en-US"/>
           </a:p>
@@ -1295,7 +1297,7 @@
             <a:fld id="{3EFE1244-3CE7-9644-A4E6-2C76918ADA4B}" type="datetimeFigureOut">
               <a:rPr lang="en-US" smtClean="0"/>
               <a:pPr/>
-              <a:t>9/6/12</a:t>
+              <a:t>9/9/12</a:t>
             </a:fld>
             <a:endParaRPr lang="en-US"/>
           </a:p>
@@ -1538,7 +1540,7 @@
             <a:fld id="{3EFE1244-3CE7-9644-A4E6-2C76918ADA4B}" type="datetimeFigureOut">
               <a:rPr lang="en-US" smtClean="0"/>
               <a:pPr/>
-              <a:t>9/6/12</a:t>
+              <a:t>9/9/12</a:t>
             </a:fld>
             <a:endParaRPr lang="en-US"/>
           </a:p>
@@ -1823,7 +1825,7 @@
             <a:fld id="{3EFE1244-3CE7-9644-A4E6-2C76918ADA4B}" type="datetimeFigureOut">
               <a:rPr lang="en-US" smtClean="0"/>
               <a:pPr/>
-              <a:t>9/6/12</a:t>
+              <a:t>9/9/12</a:t>
             </a:fld>
             <a:endParaRPr lang="en-US"/>
           </a:p>
@@ -2242,7 +2244,7 @@
             <a:fld id="{3EFE1244-3CE7-9644-A4E6-2C76918ADA4B}" type="datetimeFigureOut">
               <a:rPr lang="en-US" smtClean="0"/>
               <a:pPr/>
-              <a:t>9/6/12</a:t>
+              <a:t>9/9/12</a:t>
             </a:fld>
             <a:endParaRPr lang="en-US"/>
           </a:p>
@@ -2357,7 +2359,7 @@
             <a:fld id="{3EFE1244-3CE7-9644-A4E6-2C76918ADA4B}" type="datetimeFigureOut">
               <a:rPr lang="en-US" smtClean="0"/>
               <a:pPr/>
-              <a:t>9/6/12</a:t>
+              <a:t>9/9/12</a:t>
             </a:fld>
             <a:endParaRPr lang="en-US"/>
           </a:p>
@@ -2449,7 +2451,7 @@
             <a:fld id="{3EFE1244-3CE7-9644-A4E6-2C76918ADA4B}" type="datetimeFigureOut">
               <a:rPr lang="en-US" smtClean="0"/>
               <a:pPr/>
-              <a:t>9/6/12</a:t>
+              <a:t>9/9/12</a:t>
             </a:fld>
             <a:endParaRPr lang="en-US"/>
           </a:p>
@@ -2723,7 +2725,7 @@
             <a:fld id="{3EFE1244-3CE7-9644-A4E6-2C76918ADA4B}" type="datetimeFigureOut">
               <a:rPr lang="en-US" smtClean="0"/>
               <a:pPr/>
-              <a:t>9/6/12</a:t>
+              <a:t>9/9/12</a:t>
             </a:fld>
             <a:endParaRPr lang="en-US"/>
           </a:p>
@@ -2973,7 +2975,7 @@
             <a:fld id="{3EFE1244-3CE7-9644-A4E6-2C76918ADA4B}" type="datetimeFigureOut">
               <a:rPr lang="en-US" smtClean="0"/>
               <a:pPr/>
-              <a:t>9/6/12</a:t>
+              <a:t>9/9/12</a:t>
             </a:fld>
             <a:endParaRPr lang="en-US"/>
           </a:p>
@@ -3183,7 +3185,7 @@
             <a:fld id="{3EFE1244-3CE7-9644-A4E6-2C76918ADA4B}" type="datetimeFigureOut">
               <a:rPr lang="en-US" smtClean="0"/>
               <a:pPr/>
-              <a:t>9/6/12</a:t>
+              <a:t>9/9/12</a:t>
             </a:fld>
             <a:endParaRPr lang="en-US"/>
           </a:p>
@@ -3605,6 +3607,13 @@
   <p:clrMapOvr>
     <a:masterClrMapping/>
   </p:clrMapOvr>
+  <p:timing>
+    <p:tnLst>
+      <p:par>
+        <p:cTn id="1" dur="indefinite" restart="never" nodeType="tmRoot"/>
+      </p:par>
+    </p:tnLst>
+  </p:timing>
 </p:sld>
 </file>
 
@@ -3642,44 +3651,25 @@
           <a:p>
             <a:r>
               <a:rPr lang="en-US" dirty="0" smtClean="0"/>
-              <a:t>Torrents</a:t>
+              <a:t>Galaxy data</a:t>
             </a:r>
             <a:endParaRPr lang="en-US" dirty="0"/>
-          </a:p>
-        </p:txBody>
-      </p:sp>
-      <p:sp>
-        <p:nvSpPr>
-          <p:cNvPr id="4" name="Content Placeholder 3"/>
-          <p:cNvSpPr>
-            <a:spLocks noGrp="1"/>
-          </p:cNvSpPr>
-          <p:nvPr>
-            <p:ph sz="half" idx="1"/>
-          </p:nvPr>
-        </p:nvSpPr>
-        <p:spPr/>
-        <p:txBody>
-          <a:bodyPr/>
-          <a:lstStyle/>
-          <a:p>
-            <a:endParaRPr lang="en-US"/>
           </a:p>
         </p:txBody>
       </p:sp>
       <p:pic>
         <p:nvPicPr>
-          <p:cNvPr id="6" name="Content Placeholder 5" descr="biotorrents.png"/>
+          <p:cNvPr id="6" name="Content Placeholder 5" descr="galaxydata.png"/>
           <p:cNvPicPr>
             <a:picLocks noGrp="1" noChangeAspect="1"/>
           </p:cNvPicPr>
           <p:nvPr>
-            <p:ph sz="half" idx="2"/>
+            <p:ph idx="1"/>
           </p:nvPr>
         </p:nvPicPr>
         <p:blipFill>
           <a:blip r:embed="rId2"/>
-          <a:srcRect t="-15300" b="-15300"/>
+          <a:srcRect l="-51120" r="-51120"/>
           <a:stretch>
             <a:fillRect/>
           </a:stretch>
@@ -3699,6 +3689,13 @@
   <p:clrMapOvr>
     <a:masterClrMapping/>
   </p:clrMapOvr>
+  <p:timing>
+    <p:tnLst>
+      <p:par>
+        <p:cTn id="1" dur="indefinite" restart="never" nodeType="tmRoot"/>
+      </p:par>
+    </p:tnLst>
+  </p:timing>
 </p:sld>
 </file>
 
@@ -3736,55 +3733,59 @@
           <a:p>
             <a:r>
               <a:rPr lang="en-US" dirty="0" smtClean="0"/>
-              <a:t>Version control</a:t>
+              <a:t>Upload data using FTP</a:t>
             </a:r>
             <a:endParaRPr lang="en-US" dirty="0"/>
           </a:p>
         </p:txBody>
       </p:sp>
-      <p:sp>
-        <p:nvSpPr>
-          <p:cNvPr id="4" name="Content Placeholder 3"/>
-          <p:cNvSpPr>
-            <a:spLocks noGrp="1"/>
-          </p:cNvSpPr>
-          <p:nvPr>
-            <p:ph sz="half" idx="1"/>
-          </p:nvPr>
-        </p:nvSpPr>
-        <p:spPr/>
-        <p:txBody>
-          <a:bodyPr/>
-          <a:lstStyle/>
-          <a:p>
-            <a:endParaRPr lang="en-US"/>
-          </a:p>
-        </p:txBody>
-      </p:sp>
-      <p:sp>
-        <p:nvSpPr>
-          <p:cNvPr id="5" name="Content Placeholder 4"/>
-          <p:cNvSpPr>
-            <a:spLocks noGrp="1"/>
-          </p:cNvSpPr>
-          <p:nvPr>
-            <p:ph sz="half" idx="2"/>
-          </p:nvPr>
-        </p:nvSpPr>
-        <p:spPr/>
-        <p:txBody>
-          <a:bodyPr/>
-          <a:lstStyle/>
-          <a:p>
-            <a:endParaRPr lang="en-US"/>
-          </a:p>
-        </p:txBody>
-      </p:sp>
+      <p:pic>
+        <p:nvPicPr>
+          <p:cNvPr id="5" name="Content Placeholder 3" descr="uploadingFileWithArrows.png"/>
+          <p:cNvPicPr>
+            <a:picLocks noChangeAspect="1"/>
+          </p:cNvPicPr>
+          <p:nvPr/>
+        </p:nvPicPr>
+        <p:blipFill>
+          <a:blip r:embed="rId2"/>
+          <a:srcRect/>
+          <a:stretch>
+            <a:fillRect/>
+          </a:stretch>
+        </p:blipFill>
+        <p:spPr bwMode="auto">
+          <a:xfrm>
+            <a:off x="972000" y="1600200"/>
+            <a:ext cx="7200000" cy="4421228"/>
+          </a:xfrm>
+          <a:prstGeom prst="rect">
+            <a:avLst/>
+          </a:prstGeom>
+          <a:ln>
+            <a:noFill/>
+          </a:ln>
+          <a:effectLst>
+            <a:outerShdw blurRad="292100" dist="139700" dir="2700000" algn="tl" rotWithShape="0">
+              <a:srgbClr val="333333">
+                <a:alpha val="65000"/>
+              </a:srgbClr>
+            </a:outerShdw>
+          </a:effectLst>
+        </p:spPr>
+      </p:pic>
     </p:spTree>
   </p:cSld>
   <p:clrMapOvr>
     <a:masterClrMapping/>
   </p:clrMapOvr>
+  <p:timing>
+    <p:tnLst>
+      <p:par>
+        <p:cTn id="1" dur="indefinite" restart="never" nodeType="tmRoot"/>
+      </p:par>
+    </p:tnLst>
+  </p:timing>
 </p:sld>
 </file>
 
@@ -3822,6 +3823,1888 @@
           <a:p>
             <a:r>
               <a:rPr lang="en-US" dirty="0" smtClean="0"/>
+              <a:t>Fetch data from a URL</a:t>
+            </a:r>
+            <a:endParaRPr lang="en-US" dirty="0"/>
+          </a:p>
+        </p:txBody>
+      </p:sp>
+      <p:pic>
+        <p:nvPicPr>
+          <p:cNvPr id="3" name="Picture 3" descr="Picture 14"/>
+          <p:cNvPicPr>
+            <a:picLocks noChangeAspect="1" noChangeArrowheads="1"/>
+          </p:cNvPicPr>
+          <p:nvPr/>
+        </p:nvPicPr>
+        <p:blipFill>
+          <a:blip r:embed="rId2"/>
+          <a:srcRect/>
+          <a:stretch>
+            <a:fillRect/>
+          </a:stretch>
+        </p:blipFill>
+        <p:spPr bwMode="auto">
+          <a:xfrm>
+            <a:off x="972000" y="1524000"/>
+            <a:ext cx="7200000" cy="4610217"/>
+          </a:xfrm>
+          <a:prstGeom prst="rect">
+            <a:avLst/>
+          </a:prstGeom>
+          <a:ln>
+            <a:noFill/>
+          </a:ln>
+          <a:effectLst>
+            <a:outerShdw blurRad="292100" dist="139700" dir="2700000" algn="tl" rotWithShape="0">
+              <a:srgbClr val="333333">
+                <a:alpha val="65000"/>
+              </a:srgbClr>
+            </a:outerShdw>
+          </a:effectLst>
+        </p:spPr>
+      </p:pic>
+    </p:spTree>
+  </p:cSld>
+  <p:clrMapOvr>
+    <a:masterClrMapping/>
+  </p:clrMapOvr>
+  <p:timing>
+    <p:tnLst>
+      <p:par>
+        <p:cTn id="1" dur="indefinite" restart="never" nodeType="tmRoot"/>
+      </p:par>
+    </p:tnLst>
+  </p:timing>
+</p:sld>
+</file>
+
+<file path=ppt/slides/slide13.xml><?xml version="1.0" encoding="utf-8"?>
+<p:sld xmlns:a="http://schemas.openxmlformats.org/drawingml/2006/main" xmlns:r="http://schemas.openxmlformats.org/officeDocument/2006/relationships" xmlns:mc="http://schemas.openxmlformats.org/markup-compatibility/2006" xmlns:mv="urn:schemas-microsoft-com:mac:vml" xmlns:p="http://schemas.openxmlformats.org/presentationml/2006/main" mc:Ignorable="mv" mc:PreserveAttributes="mv:*">
+  <p:cSld>
+    <p:spTree>
+      <p:nvGrpSpPr>
+        <p:cNvPr id="1" name=""/>
+        <p:cNvGrpSpPr/>
+        <p:nvPr/>
+      </p:nvGrpSpPr>
+      <p:grpSpPr>
+        <a:xfrm>
+          <a:off x="0" y="0"/>
+          <a:ext cx="0" cy="0"/>
+          <a:chOff x="0" y="0"/>
+          <a:chExt cx="0" cy="0"/>
+        </a:xfrm>
+      </p:grpSpPr>
+      <p:sp>
+        <p:nvSpPr>
+          <p:cNvPr id="3" name="Title 2"/>
+          <p:cNvSpPr>
+            <a:spLocks noGrp="1"/>
+          </p:cNvSpPr>
+          <p:nvPr>
+            <p:ph type="title"/>
+          </p:nvPr>
+        </p:nvSpPr>
+        <p:spPr/>
+        <p:txBody>
+          <a:bodyPr/>
+          <a:lstStyle/>
+          <a:p>
+            <a:r>
+              <a:rPr lang="en-US" dirty="0" smtClean="0"/>
+              <a:t>Import from data library</a:t>
+            </a:r>
+            <a:endParaRPr lang="en-US" dirty="0"/>
+          </a:p>
+        </p:txBody>
+      </p:sp>
+      <p:pic>
+        <p:nvPicPr>
+          <p:cNvPr id="5" name="Content Placeholder 6" descr="Screen Shot 2012-02-17 at 11.27.51 PM.png"/>
+          <p:cNvPicPr>
+            <a:picLocks noChangeAspect="1"/>
+          </p:cNvPicPr>
+          <p:nvPr/>
+        </p:nvPicPr>
+        <p:blipFill>
+          <a:blip r:embed="rId2">
+            <a:extLst>
+              <a:ext uri="{28A0092B-C50C-407E-A947-70E740481C1C}">
+                <a14:useLocalDpi xmlns:a="http://schemas.openxmlformats.org/drawingml/2006/main" xmlns:r="http://schemas.openxmlformats.org/officeDocument/2006/relationships" xmlns:p="http://schemas.openxmlformats.org/presentationml/2006/main" xmlns:mc="http://schemas.openxmlformats.org/markup-compatibility/2006" xmlns:mv="urn:schemas-microsoft-com:mac:vml" xmlns="" xmlns:a14="http://schemas.microsoft.com/office/drawing/2010/main" val="0"/>
+              </a:ext>
+            </a:extLst>
+          </a:blip>
+          <a:srcRect t="-2983" b="-2983"/>
+          <a:stretch>
+            <a:fillRect/>
+          </a:stretch>
+        </p:blipFill>
+        <p:spPr bwMode="auto">
+          <a:xfrm>
+            <a:off x="972000" y="1905000"/>
+            <a:ext cx="7200000" cy="3472597"/>
+          </a:xfrm>
+          <a:prstGeom prst="rect">
+            <a:avLst/>
+          </a:prstGeom>
+          <a:ln>
+            <a:noFill/>
+          </a:ln>
+          <a:effectLst>
+            <a:outerShdw blurRad="292100" dist="139700" dir="2700000" algn="tl" rotWithShape="0">
+              <a:srgbClr val="333333">
+                <a:alpha val="65000"/>
+              </a:srgbClr>
+            </a:outerShdw>
+          </a:effectLst>
+          <a:extLst>
+            <a:ext uri="{909E8E84-426E-40dd-AFC4-6F175D3DCCD1}">
+              <a14:hiddenFill xmlns:a="http://schemas.openxmlformats.org/drawingml/2006/main" xmlns:r="http://schemas.openxmlformats.org/officeDocument/2006/relationships" xmlns:p="http://schemas.openxmlformats.org/presentationml/2006/main" xmlns:mc="http://schemas.openxmlformats.org/markup-compatibility/2006" xmlns:mv="urn:schemas-microsoft-com:mac:vml" xmlns="" xmlns:a14="http://schemas.microsoft.com/office/drawing/2010/main">
+                <a:solidFill>
+                  <a:srgbClr val="FFFFFF"/>
+                </a:solidFill>
+              </a14:hiddenFill>
+            </a:ext>
+            <a:ext uri="{91240B29-F687-4f45-9708-019B960494DF}">
+              <a14:hiddenLine xmlns:a="http://schemas.openxmlformats.org/drawingml/2006/main" xmlns:r="http://schemas.openxmlformats.org/officeDocument/2006/relationships" xmlns:p="http://schemas.openxmlformats.org/presentationml/2006/main" xmlns:mc="http://schemas.openxmlformats.org/markup-compatibility/2006" xmlns:mv="urn:schemas-microsoft-com:mac:vml" xmlns="" xmlns:a14="http://schemas.microsoft.com/office/drawing/2010/main" w="9525">
+                <a:solidFill>
+                  <a:srgbClr val="000000"/>
+                </a:solidFill>
+                <a:miter lim="800000"/>
+                <a:headEnd/>
+                <a:tailEnd/>
+              </a14:hiddenLine>
+            </a:ext>
+            <a:ext uri="{FAA26D3D-D897-4be2-8F04-BA451C77F1D7}">
+              <ma14:placeholderFlag xmlns:a="http://schemas.openxmlformats.org/drawingml/2006/main" xmlns:r="http://schemas.openxmlformats.org/officeDocument/2006/relationships" xmlns:p="http://schemas.openxmlformats.org/presentationml/2006/main" xmlns:mc="http://schemas.openxmlformats.org/markup-compatibility/2006" xmlns:mv="urn:schemas-microsoft-com:mac:vml" xmlns="" xmlns:ma14="http://schemas.microsoft.com/office/mac/drawingml/2011/main" val="1"/>
+            </a:ext>
+          </a:extLst>
+        </p:spPr>
+      </p:pic>
+    </p:spTree>
+  </p:cSld>
+  <p:clrMapOvr>
+    <a:masterClrMapping/>
+  </p:clrMapOvr>
+  <p:timing>
+    <p:tnLst>
+      <p:par>
+        <p:cTn id="1" dur="indefinite" restart="never" nodeType="tmRoot"/>
+      </p:par>
+    </p:tnLst>
+  </p:timing>
+</p:sld>
+</file>
+
+<file path=ppt/slides/slide14.xml><?xml version="1.0" encoding="utf-8"?>
+<p:sld xmlns:a="http://schemas.openxmlformats.org/drawingml/2006/main" xmlns:r="http://schemas.openxmlformats.org/officeDocument/2006/relationships" xmlns:mc="http://schemas.openxmlformats.org/markup-compatibility/2006" xmlns:mv="urn:schemas-microsoft-com:mac:vml" xmlns:p="http://schemas.openxmlformats.org/presentationml/2006/main" mc:Ignorable="mv" mc:PreserveAttributes="mv:*">
+  <p:cSld>
+    <p:spTree>
+      <p:nvGrpSpPr>
+        <p:cNvPr id="1" name=""/>
+        <p:cNvGrpSpPr/>
+        <p:nvPr/>
+      </p:nvGrpSpPr>
+      <p:grpSpPr>
+        <a:xfrm>
+          <a:off x="0" y="0"/>
+          <a:ext cx="0" cy="0"/>
+          <a:chOff x="0" y="0"/>
+          <a:chExt cx="0" cy="0"/>
+        </a:xfrm>
+      </p:grpSpPr>
+      <p:sp>
+        <p:nvSpPr>
+          <p:cNvPr id="2" name="Title 1"/>
+          <p:cNvSpPr>
+            <a:spLocks noGrp="1"/>
+          </p:cNvSpPr>
+          <p:nvPr>
+            <p:ph type="title"/>
+          </p:nvPr>
+        </p:nvSpPr>
+        <p:spPr/>
+        <p:txBody>
+          <a:bodyPr>
+            <a:normAutofit/>
+          </a:bodyPr>
+          <a:lstStyle/>
+          <a:p>
+            <a:r>
+              <a:rPr lang="en-US" dirty="0" smtClean="0"/>
+              <a:t>Fetch data from proxy service</a:t>
+            </a:r>
+            <a:endParaRPr lang="en-US" dirty="0"/>
+          </a:p>
+        </p:txBody>
+      </p:sp>
+      <p:sp>
+        <p:nvSpPr>
+          <p:cNvPr id="18" name="Content Placeholder 17"/>
+          <p:cNvSpPr>
+            <a:spLocks noGrp="1"/>
+          </p:cNvSpPr>
+          <p:nvPr>
+            <p:ph sz="quarter" idx="1"/>
+          </p:nvPr>
+        </p:nvSpPr>
+        <p:spPr>
+          <a:xfrm>
+            <a:off x="612648" y="1600200"/>
+            <a:ext cx="7769352" cy="2209800"/>
+          </a:xfrm>
+        </p:spPr>
+        <p:txBody>
+          <a:bodyPr>
+            <a:normAutofit lnSpcReduction="10000"/>
+          </a:bodyPr>
+          <a:lstStyle/>
+          <a:p>
+            <a:r>
+              <a:rPr lang="en-US" dirty="0" smtClean="0"/>
+              <a:t>User submits proxy request to Galaxy</a:t>
+            </a:r>
+          </a:p>
+          <a:p>
+            <a:r>
+              <a:rPr lang="en-US" dirty="0" smtClean="0"/>
+              <a:t>Galaxy forwards request to remote service</a:t>
+            </a:r>
+          </a:p>
+          <a:p>
+            <a:r>
+              <a:rPr lang="en-US" dirty="0" smtClean="0"/>
+              <a:t>Service returns data</a:t>
+            </a:r>
+          </a:p>
+          <a:p>
+            <a:r>
+              <a:rPr lang="en-US" dirty="0" smtClean="0"/>
+              <a:t>Galaxy infers data type and presents results</a:t>
+            </a:r>
+            <a:endParaRPr lang="en-US" dirty="0"/>
+          </a:p>
+        </p:txBody>
+      </p:sp>
+      <p:pic>
+        <p:nvPicPr>
+          <p:cNvPr id="5" name="Picture 4" descr="Picture 7"/>
+          <p:cNvPicPr>
+            <a:picLocks noChangeAspect="1" noChangeArrowheads="1"/>
+          </p:cNvPicPr>
+          <p:nvPr/>
+        </p:nvPicPr>
+        <p:blipFill>
+          <a:blip r:embed="rId2"/>
+          <a:srcRect l="68613" b="3597"/>
+          <a:stretch>
+            <a:fillRect/>
+          </a:stretch>
+        </p:blipFill>
+        <p:spPr bwMode="auto">
+          <a:xfrm>
+            <a:off x="5961950" y="4124325"/>
+            <a:ext cx="2343850" cy="2047667"/>
+          </a:xfrm>
+          <a:prstGeom prst="rect">
+            <a:avLst/>
+          </a:prstGeom>
+          <a:noFill/>
+        </p:spPr>
+      </p:pic>
+      <p:pic>
+        <p:nvPicPr>
+          <p:cNvPr id="6" name="Picture 5" descr="Picture 7"/>
+          <p:cNvPicPr>
+            <a:picLocks noChangeAspect="1" noChangeArrowheads="1"/>
+          </p:cNvPicPr>
+          <p:nvPr/>
+        </p:nvPicPr>
+        <p:blipFill>
+          <a:blip r:embed="rId2"/>
+          <a:srcRect l="19457" r="36867" b="3597"/>
+          <a:stretch>
+            <a:fillRect/>
+          </a:stretch>
+        </p:blipFill>
+        <p:spPr bwMode="auto">
+          <a:xfrm>
+            <a:off x="2057400" y="4124325"/>
+            <a:ext cx="3261499" cy="2047667"/>
+          </a:xfrm>
+          <a:prstGeom prst="rect">
+            <a:avLst/>
+          </a:prstGeom>
+          <a:noFill/>
+        </p:spPr>
+      </p:pic>
+      <p:grpSp>
+        <p:nvGrpSpPr>
+          <p:cNvPr id="3" name="Group 13"/>
+          <p:cNvGrpSpPr>
+            <a:grpSpLocks noChangeAspect="1"/>
+          </p:cNvGrpSpPr>
+          <p:nvPr/>
+        </p:nvGrpSpPr>
+        <p:grpSpPr>
+          <a:xfrm>
+            <a:off x="762000" y="4450080"/>
+            <a:ext cx="685800" cy="1417320"/>
+            <a:chOff x="685800" y="2819400"/>
+            <a:chExt cx="1143000" cy="2362200"/>
+          </a:xfrm>
+        </p:grpSpPr>
+        <p:sp>
+          <p:nvSpPr>
+            <p:cNvPr id="8" name="Rectangle 7"/>
+            <p:cNvSpPr/>
+            <p:nvPr/>
+          </p:nvSpPr>
+          <p:spPr>
+            <a:xfrm>
+              <a:off x="914400" y="3505200"/>
+              <a:ext cx="685800" cy="914400"/>
+            </a:xfrm>
+            <a:prstGeom prst="rect">
+              <a:avLst/>
+            </a:prstGeom>
+            <a:solidFill>
+              <a:schemeClr val="tx1"/>
+            </a:solidFill>
+            <a:ln>
+              <a:noFill/>
+            </a:ln>
+            <a:effectLst/>
+          </p:spPr>
+          <p:style>
+            <a:lnRef idx="1">
+              <a:schemeClr val="accent1"/>
+            </a:lnRef>
+            <a:fillRef idx="3">
+              <a:schemeClr val="accent1"/>
+            </a:fillRef>
+            <a:effectRef idx="2">
+              <a:schemeClr val="accent1"/>
+            </a:effectRef>
+            <a:fontRef idx="minor">
+              <a:schemeClr val="lt1"/>
+            </a:fontRef>
+          </p:style>
+          <p:txBody>
+            <a:bodyPr rtlCol="0" anchor="ctr"/>
+            <a:lstStyle/>
+            <a:p>
+              <a:pPr algn="dist"/>
+              <a:endParaRPr lang="en-US"/>
+            </a:p>
+          </p:txBody>
+        </p:sp>
+        <p:sp>
+          <p:nvSpPr>
+            <p:cNvPr id="9" name="Rectangle 8"/>
+            <p:cNvSpPr/>
+            <p:nvPr/>
+          </p:nvSpPr>
+          <p:spPr>
+            <a:xfrm>
+              <a:off x="914400" y="4191000"/>
+              <a:ext cx="304800" cy="990600"/>
+            </a:xfrm>
+            <a:prstGeom prst="rect">
+              <a:avLst/>
+            </a:prstGeom>
+            <a:solidFill>
+              <a:schemeClr val="tx1"/>
+            </a:solidFill>
+            <a:ln>
+              <a:noFill/>
+            </a:ln>
+            <a:effectLst/>
+          </p:spPr>
+          <p:style>
+            <a:lnRef idx="1">
+              <a:schemeClr val="accent1"/>
+            </a:lnRef>
+            <a:fillRef idx="3">
+              <a:schemeClr val="accent1"/>
+            </a:fillRef>
+            <a:effectRef idx="2">
+              <a:schemeClr val="accent1"/>
+            </a:effectRef>
+            <a:fontRef idx="minor">
+              <a:schemeClr val="lt1"/>
+            </a:fontRef>
+          </p:style>
+          <p:txBody>
+            <a:bodyPr rtlCol="0" anchor="ctr"/>
+            <a:lstStyle/>
+            <a:p>
+              <a:pPr algn="ctr"/>
+              <a:endParaRPr lang="en-US"/>
+            </a:p>
+          </p:txBody>
+        </p:sp>
+        <p:sp>
+          <p:nvSpPr>
+            <p:cNvPr id="10" name="Rectangle 9"/>
+            <p:cNvSpPr/>
+            <p:nvPr/>
+          </p:nvSpPr>
+          <p:spPr>
+            <a:xfrm>
+              <a:off x="1295400" y="4191000"/>
+              <a:ext cx="304800" cy="990600"/>
+            </a:xfrm>
+            <a:prstGeom prst="rect">
+              <a:avLst/>
+            </a:prstGeom>
+            <a:solidFill>
+              <a:schemeClr val="tx1"/>
+            </a:solidFill>
+            <a:ln>
+              <a:noFill/>
+            </a:ln>
+            <a:effectLst/>
+          </p:spPr>
+          <p:style>
+            <a:lnRef idx="1">
+              <a:schemeClr val="accent1"/>
+            </a:lnRef>
+            <a:fillRef idx="3">
+              <a:schemeClr val="accent1"/>
+            </a:fillRef>
+            <a:effectRef idx="2">
+              <a:schemeClr val="accent1"/>
+            </a:effectRef>
+            <a:fontRef idx="minor">
+              <a:schemeClr val="lt1"/>
+            </a:fontRef>
+          </p:style>
+          <p:txBody>
+            <a:bodyPr rtlCol="0" anchor="ctr"/>
+            <a:lstStyle/>
+            <a:p>
+              <a:pPr algn="ctr"/>
+              <a:endParaRPr lang="en-US"/>
+            </a:p>
+          </p:txBody>
+        </p:sp>
+        <p:sp>
+          <p:nvSpPr>
+            <p:cNvPr id="11" name="Oval 10"/>
+            <p:cNvSpPr/>
+            <p:nvPr/>
+          </p:nvSpPr>
+          <p:spPr>
+            <a:xfrm>
+              <a:off x="952500" y="2819400"/>
+              <a:ext cx="609600" cy="609600"/>
+            </a:xfrm>
+            <a:prstGeom prst="ellipse">
+              <a:avLst/>
+            </a:prstGeom>
+            <a:solidFill>
+              <a:schemeClr val="tx1"/>
+            </a:solidFill>
+            <a:ln>
+              <a:noFill/>
+            </a:ln>
+            <a:effectLst/>
+          </p:spPr>
+          <p:style>
+            <a:lnRef idx="1">
+              <a:schemeClr val="accent1"/>
+            </a:lnRef>
+            <a:fillRef idx="3">
+              <a:schemeClr val="accent1"/>
+            </a:fillRef>
+            <a:effectRef idx="2">
+              <a:schemeClr val="accent1"/>
+            </a:effectRef>
+            <a:fontRef idx="minor">
+              <a:schemeClr val="lt1"/>
+            </a:fontRef>
+          </p:style>
+          <p:txBody>
+            <a:bodyPr rtlCol="0" anchor="ctr"/>
+            <a:lstStyle/>
+            <a:p>
+              <a:pPr algn="dist"/>
+              <a:endParaRPr lang="en-US"/>
+            </a:p>
+          </p:txBody>
+        </p:sp>
+        <p:sp>
+          <p:nvSpPr>
+            <p:cNvPr id="12" name="Rectangle 11"/>
+            <p:cNvSpPr/>
+            <p:nvPr/>
+          </p:nvSpPr>
+          <p:spPr>
+            <a:xfrm>
+              <a:off x="1676400" y="3505200"/>
+              <a:ext cx="152400" cy="914400"/>
+            </a:xfrm>
+            <a:prstGeom prst="rect">
+              <a:avLst/>
+            </a:prstGeom>
+            <a:solidFill>
+              <a:schemeClr val="tx1"/>
+            </a:solidFill>
+            <a:ln>
+              <a:noFill/>
+            </a:ln>
+            <a:effectLst/>
+          </p:spPr>
+          <p:style>
+            <a:lnRef idx="1">
+              <a:schemeClr val="accent1"/>
+            </a:lnRef>
+            <a:fillRef idx="3">
+              <a:schemeClr val="accent1"/>
+            </a:fillRef>
+            <a:effectRef idx="2">
+              <a:schemeClr val="accent1"/>
+            </a:effectRef>
+            <a:fontRef idx="minor">
+              <a:schemeClr val="lt1"/>
+            </a:fontRef>
+          </p:style>
+          <p:txBody>
+            <a:bodyPr rtlCol="0" anchor="ctr"/>
+            <a:lstStyle/>
+            <a:p>
+              <a:pPr algn="ctr"/>
+              <a:endParaRPr lang="en-US"/>
+            </a:p>
+          </p:txBody>
+        </p:sp>
+        <p:sp>
+          <p:nvSpPr>
+            <p:cNvPr id="13" name="Rectangle 12"/>
+            <p:cNvSpPr/>
+            <p:nvPr/>
+          </p:nvSpPr>
+          <p:spPr>
+            <a:xfrm>
+              <a:off x="685800" y="3505200"/>
+              <a:ext cx="152400" cy="914400"/>
+            </a:xfrm>
+            <a:prstGeom prst="rect">
+              <a:avLst/>
+            </a:prstGeom>
+            <a:solidFill>
+              <a:schemeClr val="tx1"/>
+            </a:solidFill>
+            <a:ln>
+              <a:noFill/>
+            </a:ln>
+            <a:effectLst/>
+          </p:spPr>
+          <p:style>
+            <a:lnRef idx="1">
+              <a:schemeClr val="accent1"/>
+            </a:lnRef>
+            <a:fillRef idx="3">
+              <a:schemeClr val="accent1"/>
+            </a:fillRef>
+            <a:effectRef idx="2">
+              <a:schemeClr val="accent1"/>
+            </a:effectRef>
+            <a:fontRef idx="minor">
+              <a:schemeClr val="lt1"/>
+            </a:fontRef>
+          </p:style>
+          <p:txBody>
+            <a:bodyPr rtlCol="0" anchor="ctr"/>
+            <a:lstStyle/>
+            <a:p>
+              <a:pPr algn="ctr"/>
+              <a:endParaRPr lang="en-US"/>
+            </a:p>
+          </p:txBody>
+        </p:sp>
+      </p:grpSp>
+      <p:sp>
+        <p:nvSpPr>
+          <p:cNvPr id="15" name="Right Arrow 14"/>
+          <p:cNvSpPr/>
+          <p:nvPr/>
+        </p:nvSpPr>
+        <p:spPr>
+          <a:xfrm>
+            <a:off x="1600200" y="4861560"/>
+            <a:ext cx="457200" cy="548640"/>
+          </a:xfrm>
+          <a:prstGeom prst="rightArrow">
+            <a:avLst/>
+          </a:prstGeom>
+        </p:spPr>
+        <p:style>
+          <a:lnRef idx="1">
+            <a:schemeClr val="accent1"/>
+          </a:lnRef>
+          <a:fillRef idx="3">
+            <a:schemeClr val="accent1"/>
+          </a:fillRef>
+          <a:effectRef idx="2">
+            <a:schemeClr val="accent1"/>
+          </a:effectRef>
+          <a:fontRef idx="minor">
+            <a:schemeClr val="lt1"/>
+          </a:fontRef>
+        </p:style>
+        <p:txBody>
+          <a:bodyPr rtlCol="0" anchor="ctr"/>
+          <a:lstStyle/>
+          <a:p>
+            <a:pPr algn="ctr"/>
+            <a:endParaRPr lang="en-US"/>
+          </a:p>
+        </p:txBody>
+      </p:sp>
+      <p:sp>
+        <p:nvSpPr>
+          <p:cNvPr id="19" name="Right Arrow 18"/>
+          <p:cNvSpPr/>
+          <p:nvPr/>
+        </p:nvSpPr>
+        <p:spPr>
+          <a:xfrm>
+            <a:off x="5410200" y="4419600"/>
+            <a:ext cx="457200" cy="548640"/>
+          </a:xfrm>
+          <a:prstGeom prst="rightArrow">
+            <a:avLst/>
+          </a:prstGeom>
+        </p:spPr>
+        <p:style>
+          <a:lnRef idx="1">
+            <a:schemeClr val="accent1"/>
+          </a:lnRef>
+          <a:fillRef idx="3">
+            <a:schemeClr val="accent1"/>
+          </a:fillRef>
+          <a:effectRef idx="2">
+            <a:schemeClr val="accent1"/>
+          </a:effectRef>
+          <a:fontRef idx="minor">
+            <a:schemeClr val="lt1"/>
+          </a:fontRef>
+        </p:style>
+        <p:txBody>
+          <a:bodyPr rtlCol="0" anchor="ctr"/>
+          <a:lstStyle/>
+          <a:p>
+            <a:pPr algn="ctr"/>
+            <a:endParaRPr lang="en-US"/>
+          </a:p>
+        </p:txBody>
+      </p:sp>
+      <p:sp>
+        <p:nvSpPr>
+          <p:cNvPr id="20" name="Right Arrow 19"/>
+          <p:cNvSpPr/>
+          <p:nvPr/>
+        </p:nvSpPr>
+        <p:spPr>
+          <a:xfrm flipH="1">
+            <a:off x="5410200" y="5318760"/>
+            <a:ext cx="457200" cy="548640"/>
+          </a:xfrm>
+          <a:prstGeom prst="rightArrow">
+            <a:avLst/>
+          </a:prstGeom>
+        </p:spPr>
+        <p:style>
+          <a:lnRef idx="1">
+            <a:schemeClr val="accent1"/>
+          </a:lnRef>
+          <a:fillRef idx="3">
+            <a:schemeClr val="accent1"/>
+          </a:fillRef>
+          <a:effectRef idx="2">
+            <a:schemeClr val="accent1"/>
+          </a:effectRef>
+          <a:fontRef idx="minor">
+            <a:schemeClr val="lt1"/>
+          </a:fontRef>
+        </p:style>
+        <p:txBody>
+          <a:bodyPr rtlCol="0" anchor="ctr"/>
+          <a:lstStyle/>
+          <a:p>
+            <a:pPr algn="ctr"/>
+            <a:endParaRPr lang="en-US"/>
+          </a:p>
+        </p:txBody>
+      </p:sp>
+    </p:spTree>
+  </p:cSld>
+  <p:clrMapOvr>
+    <a:masterClrMapping/>
+  </p:clrMapOvr>
+  <p:timing>
+    <p:tnLst>
+      <p:par>
+        <p:cTn id="1" dur="indefinite" restart="never" nodeType="tmRoot"/>
+      </p:par>
+    </p:tnLst>
+  </p:timing>
+</p:sld>
+</file>
+
+<file path=ppt/slides/slide15.xml><?xml version="1.0" encoding="utf-8"?>
+<p:sld xmlns:a="http://schemas.openxmlformats.org/drawingml/2006/main" xmlns:r="http://schemas.openxmlformats.org/officeDocument/2006/relationships" xmlns:mc="http://schemas.openxmlformats.org/markup-compatibility/2006" xmlns:mv="urn:schemas-microsoft-com:mac:vml" xmlns:p="http://schemas.openxmlformats.org/presentationml/2006/main" mc:Ignorable="mv" mc:PreserveAttributes="mv:*">
+  <p:cSld>
+    <p:spTree>
+      <p:nvGrpSpPr>
+        <p:cNvPr id="1" name=""/>
+        <p:cNvGrpSpPr/>
+        <p:nvPr/>
+      </p:nvGrpSpPr>
+      <p:grpSpPr>
+        <a:xfrm>
+          <a:off x="0" y="0"/>
+          <a:ext cx="0" cy="0"/>
+          <a:chOff x="0" y="0"/>
+          <a:chExt cx="0" cy="0"/>
+        </a:xfrm>
+      </p:grpSpPr>
+      <p:sp>
+        <p:nvSpPr>
+          <p:cNvPr id="2" name="Title 1"/>
+          <p:cNvSpPr>
+            <a:spLocks noGrp="1"/>
+          </p:cNvSpPr>
+          <p:nvPr>
+            <p:ph type="title"/>
+          </p:nvPr>
+        </p:nvSpPr>
+        <p:spPr/>
+        <p:txBody>
+          <a:bodyPr/>
+          <a:lstStyle/>
+          <a:p>
+            <a:r>
+              <a:rPr lang="en-US" dirty="0" smtClean="0"/>
+              <a:t>Data sharing/publishing</a:t>
+            </a:r>
+            <a:endParaRPr lang="en-US" dirty="0"/>
+          </a:p>
+        </p:txBody>
+      </p:sp>
+      <p:sp>
+        <p:nvSpPr>
+          <p:cNvPr id="4" name="Content Placeholder 3"/>
+          <p:cNvSpPr>
+            <a:spLocks noGrp="1"/>
+          </p:cNvSpPr>
+          <p:nvPr>
+            <p:ph sz="quarter" idx="1"/>
+          </p:nvPr>
+        </p:nvSpPr>
+        <p:spPr>
+          <a:xfrm>
+            <a:off x="990600" y="1817892"/>
+            <a:ext cx="2743200" cy="3592308"/>
+          </a:xfrm>
+          <a:ln>
+            <a:solidFill>
+              <a:schemeClr val="bg1">
+                <a:lumMod val="75000"/>
+              </a:schemeClr>
+            </a:solidFill>
+          </a:ln>
+        </p:spPr>
+        <p:txBody>
+          <a:bodyPr>
+            <a:normAutofit/>
+          </a:bodyPr>
+          <a:lstStyle/>
+          <a:p>
+            <a:pPr marL="0" indent="0">
+              <a:buNone/>
+            </a:pPr>
+            <a:r>
+              <a:rPr lang="en-US" dirty="0" smtClean="0"/>
+              <a:t>The Galaxy platform allows users to publish and share their data, for example as supplemental materials to a publication*</a:t>
+            </a:r>
+            <a:endParaRPr lang="en-US" dirty="0"/>
+          </a:p>
+        </p:txBody>
+      </p:sp>
+      <p:pic>
+        <p:nvPicPr>
+          <p:cNvPr id="6" name="Content Placeholder 5" descr="windshield.png"/>
+          <p:cNvPicPr>
+            <a:picLocks noGrp="1" noChangeAspect="1"/>
+          </p:cNvPicPr>
+          <p:nvPr>
+            <p:ph sz="quarter" idx="2"/>
+          </p:nvPr>
+        </p:nvPicPr>
+        <p:blipFill>
+          <a:blip r:embed="rId2"/>
+          <a:srcRect t="13709" b="1055"/>
+          <a:stretch>
+            <a:fillRect/>
+          </a:stretch>
+        </p:blipFill>
+        <p:spPr>
+          <a:xfrm>
+            <a:off x="4190999" y="1763233"/>
+            <a:ext cx="4043059" cy="3646967"/>
+          </a:xfrm>
+          <a:prstGeom prst="rect">
+            <a:avLst/>
+          </a:prstGeom>
+          <a:ln>
+            <a:noFill/>
+          </a:ln>
+          <a:effectLst>
+            <a:outerShdw blurRad="292100" dist="139700" dir="2700000" algn="tl" rotWithShape="0">
+              <a:srgbClr val="333333">
+                <a:alpha val="65000"/>
+              </a:srgbClr>
+            </a:outerShdw>
+          </a:effectLst>
+        </p:spPr>
+      </p:pic>
+      <p:sp>
+        <p:nvSpPr>
+          <p:cNvPr id="7" name="TextBox 6"/>
+          <p:cNvSpPr txBox="1"/>
+          <p:nvPr/>
+        </p:nvSpPr>
+        <p:spPr>
+          <a:xfrm>
+            <a:off x="1752600" y="5879068"/>
+            <a:ext cx="5607763" cy="369332"/>
+          </a:xfrm>
+          <a:prstGeom prst="rect">
+            <a:avLst/>
+          </a:prstGeom>
+          <a:noFill/>
+        </p:spPr>
+        <p:txBody>
+          <a:bodyPr wrap="none" rtlCol="0">
+            <a:spAutoFit/>
+          </a:bodyPr>
+          <a:lstStyle/>
+          <a:p>
+            <a:r>
+              <a:rPr lang="en-US" dirty="0" smtClean="0"/>
+              <a:t>* example: http://genome.cshlp.org/content/19/11/2144</a:t>
+            </a:r>
+            <a:endParaRPr lang="en-US" dirty="0"/>
+          </a:p>
+        </p:txBody>
+      </p:sp>
+    </p:spTree>
+  </p:cSld>
+  <p:clrMapOvr>
+    <a:masterClrMapping/>
+  </p:clrMapOvr>
+  <p:timing>
+    <p:tnLst>
+      <p:par>
+        <p:cTn id="1" dur="indefinite" restart="never" nodeType="tmRoot"/>
+      </p:par>
+    </p:tnLst>
+  </p:timing>
+</p:sld>
+</file>
+
+<file path=ppt/slides/slide16.xml><?xml version="1.0" encoding="utf-8"?>
+<p:sld xmlns:a="http://schemas.openxmlformats.org/drawingml/2006/main" xmlns:r="http://schemas.openxmlformats.org/officeDocument/2006/relationships" xmlns:mc="http://schemas.openxmlformats.org/markup-compatibility/2006" xmlns:mv="urn:schemas-microsoft-com:mac:vml" xmlns:p="http://schemas.openxmlformats.org/presentationml/2006/main" mc:Ignorable="mv" mc:PreserveAttributes="mv:*">
+  <p:cSld>
+    <p:spTree>
+      <p:nvGrpSpPr>
+        <p:cNvPr id="1" name=""/>
+        <p:cNvGrpSpPr/>
+        <p:nvPr/>
+      </p:nvGrpSpPr>
+      <p:grpSpPr>
+        <a:xfrm>
+          <a:off x="0" y="0"/>
+          <a:ext cx="0" cy="0"/>
+          <a:chOff x="0" y="0"/>
+          <a:chExt cx="0" cy="0"/>
+        </a:xfrm>
+      </p:grpSpPr>
+      <p:sp>
+        <p:nvSpPr>
+          <p:cNvPr id="2" name="Title 1"/>
+          <p:cNvSpPr>
+            <a:spLocks noGrp="1"/>
+          </p:cNvSpPr>
+          <p:nvPr>
+            <p:ph type="title"/>
+          </p:nvPr>
+        </p:nvSpPr>
+        <p:spPr/>
+        <p:txBody>
+          <a:bodyPr/>
+          <a:lstStyle/>
+          <a:p>
+            <a:r>
+              <a:rPr lang="en-US" dirty="0" smtClean="0"/>
+              <a:t>Exercise: upload to galaxy</a:t>
+            </a:r>
+            <a:endParaRPr lang="en-US" dirty="0"/>
+          </a:p>
+        </p:txBody>
+      </p:sp>
+      <p:sp>
+        <p:nvSpPr>
+          <p:cNvPr id="3" name="Content Placeholder 2"/>
+          <p:cNvSpPr>
+            <a:spLocks noGrp="1"/>
+          </p:cNvSpPr>
+          <p:nvPr>
+            <p:ph idx="1"/>
+          </p:nvPr>
+        </p:nvSpPr>
+        <p:spPr>
+          <a:xfrm>
+            <a:off x="228600" y="1219200"/>
+            <a:ext cx="8686800" cy="5105400"/>
+          </a:xfrm>
+        </p:spPr>
+        <p:txBody>
+          <a:bodyPr>
+            <a:noAutofit/>
+          </a:bodyPr>
+          <a:lstStyle/>
+          <a:p>
+            <a:pPr marL="514350" indent="-514350">
+              <a:buFont typeface="+mj-lt"/>
+              <a:buAutoNum type="arabicPeriod"/>
+            </a:pPr>
+            <a:r>
+              <a:rPr lang="en-US" sz="1800" b="1" dirty="0" smtClean="0"/>
+              <a:t>Upload the </a:t>
+            </a:r>
+            <a:r>
+              <a:rPr lang="en-US" sz="1800" b="1" dirty="0" err="1" smtClean="0"/>
+              <a:t>Fastq</a:t>
+            </a:r>
+            <a:r>
+              <a:rPr lang="en-US" sz="1800" b="1" dirty="0" smtClean="0"/>
+              <a:t> </a:t>
+            </a:r>
+            <a:r>
+              <a:rPr lang="en-US" sz="1800" b="1" dirty="0" smtClean="0"/>
+              <a:t>files and reference </a:t>
+            </a:r>
+            <a:r>
+              <a:rPr lang="en-US" sz="1800" b="1" dirty="0" smtClean="0"/>
+              <a:t>genome in data/</a:t>
+            </a:r>
+            <a:r>
+              <a:rPr lang="en-US" sz="1800" b="1" dirty="0" err="1" smtClean="0"/>
+              <a:t>chipseq</a:t>
+            </a:r>
+            <a:endParaRPr lang="en-US" sz="1800" b="1" dirty="0" smtClean="0"/>
+          </a:p>
+          <a:p>
+            <a:pPr marL="514350" indent="-514350">
+              <a:buFont typeface="+mj-lt"/>
+              <a:buAutoNum type="arabicPeriod"/>
+            </a:pPr>
+            <a:r>
+              <a:rPr lang="en-US" sz="1800" b="1" dirty="0" smtClean="0"/>
+              <a:t>Convert FASTQ </a:t>
+            </a:r>
+            <a:r>
+              <a:rPr lang="en-US" sz="1800" b="1" dirty="0" smtClean="0"/>
+              <a:t>to Sanger</a:t>
+            </a:r>
+            <a:r>
+              <a:rPr lang="en-US" sz="1800" dirty="0" smtClean="0"/>
+              <a:t/>
+            </a:r>
+            <a:br>
+              <a:rPr lang="en-US" sz="1800" dirty="0" smtClean="0"/>
+            </a:br>
+            <a:r>
+              <a:rPr lang="en-US" sz="1800" dirty="0" smtClean="0"/>
+              <a:t>Select </a:t>
+            </a:r>
+            <a:r>
+              <a:rPr lang="en-US" sz="1800" dirty="0" smtClean="0">
+                <a:latin typeface="Courier New"/>
+                <a:cs typeface="Courier New"/>
+              </a:rPr>
+              <a:t>NGS: QC and manipulation </a:t>
+            </a:r>
+            <a:r>
+              <a:rPr lang="en-US" sz="1800" dirty="0" smtClean="0"/>
+              <a:t>and </a:t>
+            </a:r>
+            <a:r>
+              <a:rPr lang="en-US" sz="1800" dirty="0" err="1" smtClean="0">
+                <a:latin typeface="Courier New"/>
+                <a:cs typeface="Courier New"/>
+              </a:rPr>
+              <a:t>Fastq</a:t>
+            </a:r>
+            <a:r>
+              <a:rPr lang="en-US" sz="1800" dirty="0" smtClean="0">
+                <a:latin typeface="Courier New"/>
+                <a:cs typeface="Courier New"/>
+              </a:rPr>
+              <a:t> </a:t>
+            </a:r>
+            <a:r>
+              <a:rPr lang="en-US" sz="1800" dirty="0" smtClean="0">
+                <a:latin typeface="Courier New"/>
+                <a:cs typeface="Courier New"/>
+              </a:rPr>
+              <a:t>groomer</a:t>
+            </a:r>
+          </a:p>
+          <a:p>
+            <a:pPr marL="514350" indent="-514350">
+              <a:buFont typeface="+mj-lt"/>
+              <a:buAutoNum type="arabicPeriod"/>
+            </a:pPr>
+            <a:r>
+              <a:rPr lang="en-US" sz="1800" b="1" dirty="0" smtClean="0"/>
+              <a:t>Alignment with BWA</a:t>
+            </a:r>
+            <a:r>
+              <a:rPr lang="en-US" sz="1800" dirty="0" smtClean="0"/>
+              <a:t> </a:t>
+            </a:r>
+            <a:br>
+              <a:rPr lang="en-US" sz="1800" dirty="0" smtClean="0"/>
+            </a:br>
+            <a:r>
+              <a:rPr lang="en-US" sz="1800" dirty="0" smtClean="0"/>
+              <a:t>Select </a:t>
+            </a:r>
+            <a:r>
+              <a:rPr lang="en-US" sz="1800" dirty="0" smtClean="0">
+                <a:latin typeface="Courier New"/>
+                <a:cs typeface="Courier New"/>
+              </a:rPr>
+              <a:t>NGS: Mapping and </a:t>
+            </a:r>
+            <a:r>
+              <a:rPr lang="en-US" sz="1800" dirty="0" smtClean="0">
+                <a:latin typeface="Courier New"/>
+                <a:cs typeface="Courier New"/>
+              </a:rPr>
+              <a:t>BWA</a:t>
+            </a:r>
+          </a:p>
+          <a:p>
+            <a:pPr marL="514350" indent="-514350">
+              <a:buFont typeface="+mj-lt"/>
+              <a:buAutoNum type="arabicPeriod"/>
+            </a:pPr>
+            <a:r>
+              <a:rPr lang="en-US" sz="1800" b="1" dirty="0" smtClean="0"/>
+              <a:t>Filter SAM </a:t>
+            </a:r>
+            <a:r>
+              <a:rPr lang="en-US" sz="1800" dirty="0" smtClean="0"/>
+              <a:t/>
+            </a:r>
+            <a:br>
+              <a:rPr lang="en-US" sz="1800" dirty="0" smtClean="0"/>
+            </a:br>
+            <a:r>
+              <a:rPr lang="en-US" sz="1800" dirty="0" smtClean="0"/>
+              <a:t>We care </a:t>
+            </a:r>
+            <a:r>
+              <a:rPr lang="en-US" sz="1800" dirty="0" smtClean="0"/>
+              <a:t>mainly</a:t>
+            </a:r>
+            <a:r>
+              <a:rPr lang="en-US" sz="1800" dirty="0" smtClean="0"/>
+              <a:t> for reads </a:t>
+            </a:r>
+            <a:r>
+              <a:rPr lang="en-US" sz="1800" dirty="0" smtClean="0"/>
+              <a:t>that map uniquely (exactly once) to a reference genome. One of the problems with NGS </a:t>
+            </a:r>
+            <a:r>
+              <a:rPr lang="en-US" sz="1800" dirty="0" err="1" smtClean="0"/>
+              <a:t>mappers</a:t>
+            </a:r>
+            <a:r>
+              <a:rPr lang="en-US" sz="1800" dirty="0" smtClean="0"/>
+              <a:t> is that they all have different ways of reporting multiple hits. In the case of BWA if a read maps at multiple locations, a single location is randomly chosen and is reported. BWA reports this information through optional tags. The tag to use here is XT:A:U (XT:A:U - user defined tag called XT. A means the tag holds a character. The value associated with this tag is 'U'.), where U stands for unique (R for repeat). So first one selects all lines from the BWA output where XT:A:U is present. This is done with the </a:t>
+            </a:r>
+            <a:r>
+              <a:rPr lang="en-US" sz="1800" dirty="0" smtClean="0">
+                <a:latin typeface="Courier New"/>
+                <a:cs typeface="Courier New"/>
+              </a:rPr>
+              <a:t>Filter and Sort -&gt; Select tool</a:t>
+            </a:r>
+            <a:r>
+              <a:rPr lang="en-US" sz="1800" dirty="0" smtClean="0"/>
+              <a:t>.</a:t>
+            </a:r>
+            <a:endParaRPr lang="en-US" sz="1800" dirty="0" smtClean="0"/>
+          </a:p>
+          <a:p>
+            <a:pPr marL="514350" indent="-514350">
+              <a:buFont typeface="+mj-lt"/>
+              <a:buAutoNum type="arabicPeriod"/>
+            </a:pPr>
+            <a:r>
+              <a:rPr lang="en-US" sz="1800" b="1" dirty="0" smtClean="0"/>
+              <a:t>Convert SAM to BAM.</a:t>
+            </a:r>
+            <a:r>
+              <a:rPr lang="en-US" sz="1800" dirty="0" smtClean="0"/>
+              <a:t> </a:t>
+            </a:r>
+            <a:r>
+              <a:rPr lang="en-US" sz="1800" dirty="0" smtClean="0"/>
+              <a:t/>
+            </a:r>
+            <a:br>
+              <a:rPr lang="en-US" sz="1800" dirty="0" smtClean="0"/>
+            </a:br>
+            <a:r>
+              <a:rPr lang="en-US" sz="1800" dirty="0" smtClean="0"/>
+              <a:t>Select </a:t>
+            </a:r>
+            <a:r>
+              <a:rPr lang="en-US" sz="1800" dirty="0" smtClean="0">
+                <a:latin typeface="Courier New"/>
+                <a:cs typeface="Courier New"/>
+              </a:rPr>
+              <a:t>NGS </a:t>
+            </a:r>
+            <a:r>
+              <a:rPr lang="en-US" sz="1800" dirty="0" smtClean="0">
+                <a:latin typeface="Courier New"/>
+                <a:cs typeface="Courier New"/>
+              </a:rPr>
+              <a:t>SAM Tool -&gt; SAM to BAM</a:t>
+            </a:r>
+          </a:p>
+          <a:p>
+            <a:pPr marL="514350" indent="-514350">
+              <a:buFont typeface="+mj-lt"/>
+              <a:buAutoNum type="arabicPeriod"/>
+            </a:pPr>
+            <a:endParaRPr lang="en-US" sz="1800" dirty="0" smtClean="0"/>
+          </a:p>
+          <a:p>
+            <a:pPr marL="514350" indent="-514350">
+              <a:buFont typeface="+mj-lt"/>
+              <a:buAutoNum type="arabicPeriod"/>
+            </a:pPr>
+            <a:endParaRPr lang="en-US" sz="1800" dirty="0" smtClean="0"/>
+          </a:p>
+          <a:p>
+            <a:pPr marL="514350" indent="-514350">
+              <a:buFont typeface="+mj-lt"/>
+              <a:buAutoNum type="arabicPeriod"/>
+            </a:pPr>
+            <a:endParaRPr lang="en-US" sz="1800" dirty="0"/>
+          </a:p>
+        </p:txBody>
+      </p:sp>
+      <p:sp>
+        <p:nvSpPr>
+          <p:cNvPr id="4" name="TextBox 3"/>
+          <p:cNvSpPr txBox="1"/>
+          <p:nvPr/>
+        </p:nvSpPr>
+        <p:spPr>
+          <a:xfrm>
+            <a:off x="1312133" y="6324600"/>
+            <a:ext cx="6519734" cy="338554"/>
+          </a:xfrm>
+          <a:prstGeom prst="rect">
+            <a:avLst/>
+          </a:prstGeom>
+          <a:noFill/>
+        </p:spPr>
+        <p:txBody>
+          <a:bodyPr wrap="none" rtlCol="0">
+            <a:spAutoFit/>
+          </a:bodyPr>
+          <a:lstStyle/>
+          <a:p>
+            <a:r>
+              <a:rPr lang="en-US" sz="1600" dirty="0" smtClean="0"/>
+              <a:t>Adapted from </a:t>
+            </a:r>
+            <a:r>
+              <a:rPr lang="en-US" sz="1600" dirty="0" err="1" smtClean="0"/>
+              <a:t>http</a:t>
+            </a:r>
+            <a:r>
+              <a:rPr lang="en-US" sz="1600" dirty="0" err="1" smtClean="0"/>
+              <a:t>://manuals.bioinformatics.ucr.edu/home/gui-ngs-analysis</a:t>
+            </a:r>
+            <a:endParaRPr lang="en-US" sz="1600" dirty="0"/>
+          </a:p>
+        </p:txBody>
+      </p:sp>
+    </p:spTree>
+  </p:cSld>
+  <p:clrMapOvr>
+    <a:masterClrMapping/>
+  </p:clrMapOvr>
+  <p:timing>
+    <p:tnLst>
+      <p:par>
+        <p:cTn id="1" dur="indefinite" restart="never" nodeType="tmRoot"/>
+      </p:par>
+    </p:tnLst>
+  </p:timing>
+</p:sld>
+</file>
+
+<file path=ppt/slides/slide2.xml><?xml version="1.0" encoding="utf-8"?>
+<p:sld xmlns:a="http://schemas.openxmlformats.org/drawingml/2006/main" xmlns:r="http://schemas.openxmlformats.org/officeDocument/2006/relationships" xmlns:mc="http://schemas.openxmlformats.org/markup-compatibility/2006" xmlns:mv="urn:schemas-microsoft-com:mac:vml" xmlns:p="http://schemas.openxmlformats.org/presentationml/2006/main" mc:Ignorable="mv" mc:PreserveAttributes="mv:*">
+  <p:cSld>
+    <p:spTree>
+      <p:nvGrpSpPr>
+        <p:cNvPr id="1" name=""/>
+        <p:cNvGrpSpPr/>
+        <p:nvPr/>
+      </p:nvGrpSpPr>
+      <p:grpSpPr>
+        <a:xfrm>
+          <a:off x="0" y="0"/>
+          <a:ext cx="0" cy="0"/>
+          <a:chOff x="0" y="0"/>
+          <a:chExt cx="0" cy="0"/>
+        </a:xfrm>
+      </p:grpSpPr>
+      <p:sp>
+        <p:nvSpPr>
+          <p:cNvPr id="2" name="Title 1"/>
+          <p:cNvSpPr>
+            <a:spLocks noGrp="1"/>
+          </p:cNvSpPr>
+          <p:nvPr>
+            <p:ph type="title"/>
+          </p:nvPr>
+        </p:nvSpPr>
+        <p:spPr/>
+        <p:txBody>
+          <a:bodyPr/>
+          <a:lstStyle/>
+          <a:p>
+            <a:r>
+              <a:rPr lang="en-US" dirty="0" smtClean="0"/>
+              <a:t>NGS data volumes</a:t>
+            </a:r>
+            <a:endParaRPr lang="en-US" dirty="0"/>
+          </a:p>
+        </p:txBody>
+      </p:sp>
+      <p:pic>
+        <p:nvPicPr>
+          <p:cNvPr id="4" name="Content Placeholder 3" descr="growth.jpeg"/>
+          <p:cNvPicPr>
+            <a:picLocks noGrp="1" noChangeAspect="1"/>
+          </p:cNvPicPr>
+          <p:nvPr>
+            <p:ph idx="1"/>
+          </p:nvPr>
+        </p:nvPicPr>
+        <p:blipFill>
+          <a:blip r:embed="rId2"/>
+          <a:srcRect l="-7580" r="-7580"/>
+          <a:stretch>
+            <a:fillRect/>
+          </a:stretch>
+        </p:blipFill>
+        <p:spPr/>
+      </p:pic>
+      <p:sp>
+        <p:nvSpPr>
+          <p:cNvPr id="5" name="TextBox 4"/>
+          <p:cNvSpPr txBox="1"/>
+          <p:nvPr/>
+        </p:nvSpPr>
+        <p:spPr>
+          <a:xfrm>
+            <a:off x="3049605" y="6248400"/>
+            <a:ext cx="3122595" cy="369332"/>
+          </a:xfrm>
+          <a:prstGeom prst="rect">
+            <a:avLst/>
+          </a:prstGeom>
+          <a:noFill/>
+        </p:spPr>
+        <p:txBody>
+          <a:bodyPr wrap="none" rtlCol="0">
+            <a:spAutoFit/>
+          </a:bodyPr>
+          <a:lstStyle/>
+          <a:p>
+            <a:r>
+              <a:rPr lang="en-US" dirty="0" err="1" smtClean="0"/>
+              <a:t>doi</a:t>
+            </a:r>
+            <a:r>
+              <a:rPr lang="en-US" dirty="0" smtClean="0"/>
+              <a:t>: 10.1186/gb-2010-11-5-207</a:t>
+            </a:r>
+            <a:endParaRPr lang="en-US" dirty="0"/>
+          </a:p>
+        </p:txBody>
+      </p:sp>
+    </p:spTree>
+  </p:cSld>
+  <p:clrMapOvr>
+    <a:masterClrMapping/>
+  </p:clrMapOvr>
+  <p:timing>
+    <p:tnLst>
+      <p:par>
+        <p:cTn id="1" dur="indefinite" restart="never" nodeType="tmRoot"/>
+      </p:par>
+    </p:tnLst>
+  </p:timing>
+</p:sld>
+</file>
+
+<file path=ppt/slides/slide3.xml><?xml version="1.0" encoding="utf-8"?>
+<p:sld xmlns:a="http://schemas.openxmlformats.org/drawingml/2006/main" xmlns:r="http://schemas.openxmlformats.org/officeDocument/2006/relationships" xmlns:mc="http://schemas.openxmlformats.org/markup-compatibility/2006" xmlns:mv="urn:schemas-microsoft-com:mac:vml" xmlns:p="http://schemas.openxmlformats.org/presentationml/2006/main" mc:Ignorable="mv" mc:PreserveAttributes="mv:*">
+  <p:cSld>
+    <p:spTree>
+      <p:nvGrpSpPr>
+        <p:cNvPr id="1" name=""/>
+        <p:cNvGrpSpPr/>
+        <p:nvPr/>
+      </p:nvGrpSpPr>
+      <p:grpSpPr>
+        <a:xfrm>
+          <a:off x="0" y="0"/>
+          <a:ext cx="0" cy="0"/>
+          <a:chOff x="0" y="0"/>
+          <a:chExt cx="0" cy="0"/>
+        </a:xfrm>
+      </p:grpSpPr>
+      <p:sp>
+        <p:nvSpPr>
+          <p:cNvPr id="2" name="Title 1"/>
+          <p:cNvSpPr>
+            <a:spLocks noGrp="1"/>
+          </p:cNvSpPr>
+          <p:nvPr>
+            <p:ph type="title"/>
+          </p:nvPr>
+        </p:nvSpPr>
+        <p:spPr/>
+        <p:txBody>
+          <a:bodyPr/>
+          <a:lstStyle/>
+          <a:p>
+            <a:r>
+              <a:rPr lang="en-US" dirty="0" smtClean="0"/>
+              <a:t>SRA database growth</a:t>
+            </a:r>
+            <a:endParaRPr lang="en-US" dirty="0"/>
+          </a:p>
+        </p:txBody>
+      </p:sp>
+      <p:pic>
+        <p:nvPicPr>
+          <p:cNvPr id="5" name="Content Placeholder 4" descr="sragrowth.png"/>
+          <p:cNvPicPr>
+            <a:picLocks noGrp="1" noChangeAspect="1"/>
+          </p:cNvPicPr>
+          <p:nvPr>
+            <p:ph idx="1"/>
+          </p:nvPr>
+        </p:nvPicPr>
+        <p:blipFill>
+          <a:blip r:embed="rId2"/>
+          <a:srcRect l="-18187" r="-18187"/>
+          <a:stretch>
+            <a:fillRect/>
+          </a:stretch>
+        </p:blipFill>
+        <p:spPr/>
+      </p:pic>
+      <p:sp>
+        <p:nvSpPr>
+          <p:cNvPr id="4" name="TextBox 3"/>
+          <p:cNvSpPr txBox="1"/>
+          <p:nvPr/>
+        </p:nvSpPr>
+        <p:spPr>
+          <a:xfrm>
+            <a:off x="2591816" y="6248400"/>
+            <a:ext cx="4037584" cy="369332"/>
+          </a:xfrm>
+          <a:prstGeom prst="rect">
+            <a:avLst/>
+          </a:prstGeom>
+          <a:noFill/>
+        </p:spPr>
+        <p:txBody>
+          <a:bodyPr wrap="none" rtlCol="0">
+            <a:spAutoFit/>
+          </a:bodyPr>
+          <a:lstStyle/>
+          <a:p>
+            <a:r>
+              <a:rPr lang="en-US" dirty="0" smtClean="0"/>
+              <a:t>http://</a:t>
+            </a:r>
+            <a:r>
+              <a:rPr lang="en-US" dirty="0" err="1" smtClean="0"/>
+              <a:t>www.ncbi.nlm.nih.gov/Traces/sra</a:t>
+            </a:r>
+            <a:r>
+              <a:rPr lang="en-US" dirty="0" smtClean="0"/>
+              <a:t>/</a:t>
+            </a:r>
+            <a:endParaRPr lang="en-US" dirty="0"/>
+          </a:p>
+        </p:txBody>
+      </p:sp>
+    </p:spTree>
+  </p:cSld>
+  <p:clrMapOvr>
+    <a:masterClrMapping/>
+  </p:clrMapOvr>
+  <p:timing>
+    <p:tnLst>
+      <p:par>
+        <p:cTn id="1" dur="indefinite" restart="never" nodeType="tmRoot"/>
+      </p:par>
+    </p:tnLst>
+  </p:timing>
+</p:sld>
+</file>
+
+<file path=ppt/slides/slide4.xml><?xml version="1.0" encoding="utf-8"?>
+<p:sld xmlns:a="http://schemas.openxmlformats.org/drawingml/2006/main" xmlns:r="http://schemas.openxmlformats.org/officeDocument/2006/relationships" xmlns:mc="http://schemas.openxmlformats.org/markup-compatibility/2006" xmlns:mv="urn:schemas-microsoft-com:mac:vml" xmlns:p="http://schemas.openxmlformats.org/presentationml/2006/main" mc:Ignorable="mv" mc:PreserveAttributes="mv:*">
+  <p:cSld>
+    <p:spTree>
+      <p:nvGrpSpPr>
+        <p:cNvPr id="1" name=""/>
+        <p:cNvGrpSpPr/>
+        <p:nvPr/>
+      </p:nvGrpSpPr>
+      <p:grpSpPr>
+        <a:xfrm>
+          <a:off x="0" y="0"/>
+          <a:ext cx="0" cy="0"/>
+          <a:chOff x="0" y="0"/>
+          <a:chExt cx="0" cy="0"/>
+        </a:xfrm>
+      </p:grpSpPr>
+      <p:sp>
+        <p:nvSpPr>
+          <p:cNvPr id="2" name="Title 1"/>
+          <p:cNvSpPr>
+            <a:spLocks noGrp="1"/>
+          </p:cNvSpPr>
+          <p:nvPr>
+            <p:ph type="title"/>
+          </p:nvPr>
+        </p:nvSpPr>
+        <p:spPr/>
+        <p:txBody>
+          <a:bodyPr/>
+          <a:lstStyle/>
+          <a:p>
+            <a:r>
+              <a:rPr lang="en-US" dirty="0" smtClean="0"/>
+              <a:t>“Big Data”</a:t>
+            </a:r>
+            <a:endParaRPr lang="en-US" dirty="0"/>
+          </a:p>
+        </p:txBody>
+      </p:sp>
+      <p:sp>
+        <p:nvSpPr>
+          <p:cNvPr id="4" name="Content Placeholder 3"/>
+          <p:cNvSpPr>
+            <a:spLocks noGrp="1"/>
+          </p:cNvSpPr>
+          <p:nvPr>
+            <p:ph sz="quarter" idx="1"/>
+          </p:nvPr>
+        </p:nvSpPr>
+        <p:spPr>
+          <a:xfrm>
+            <a:off x="914400" y="2046767"/>
+            <a:ext cx="3962400" cy="3973033"/>
+          </a:xfrm>
+        </p:spPr>
+        <p:txBody>
+          <a:bodyPr/>
+          <a:lstStyle/>
+          <a:p>
+            <a:r>
+              <a:rPr lang="en-US" dirty="0" smtClean="0"/>
+              <a:t>NGS has led to massive data sets</a:t>
+            </a:r>
+          </a:p>
+          <a:p>
+            <a:r>
+              <a:rPr lang="en-US" dirty="0" smtClean="0"/>
+              <a:t>Data formats are simple, binary, and/or compressed</a:t>
+            </a:r>
+          </a:p>
+          <a:p>
+            <a:r>
+              <a:rPr lang="en-US" dirty="0" smtClean="0"/>
+              <a:t>Still, people drive around with USB hard disks</a:t>
+            </a:r>
+            <a:endParaRPr lang="en-US" dirty="0"/>
+          </a:p>
+        </p:txBody>
+      </p:sp>
+      <p:pic>
+        <p:nvPicPr>
+          <p:cNvPr id="8" name="Content Placeholder 7" descr="DataDeluge.png"/>
+          <p:cNvPicPr>
+            <a:picLocks noGrp="1" noChangeAspect="1"/>
+          </p:cNvPicPr>
+          <p:nvPr>
+            <p:ph sz="quarter" idx="2"/>
+          </p:nvPr>
+        </p:nvPicPr>
+        <p:blipFill>
+          <a:blip r:embed="rId2"/>
+          <a:srcRect/>
+          <a:stretch>
+            <a:fillRect/>
+          </a:stretch>
+        </p:blipFill>
+        <p:spPr>
+          <a:xfrm>
+            <a:off x="4963186" y="2020036"/>
+            <a:ext cx="3037814" cy="3999764"/>
+          </a:xfrm>
+          <a:prstGeom prst="rect">
+            <a:avLst/>
+          </a:prstGeom>
+          <a:ln>
+            <a:noFill/>
+          </a:ln>
+          <a:effectLst>
+            <a:outerShdw blurRad="292100" dist="139700" dir="2700000" algn="tl" rotWithShape="0">
+              <a:srgbClr val="333333">
+                <a:alpha val="65000"/>
+              </a:srgbClr>
+            </a:outerShdw>
+          </a:effectLst>
+        </p:spPr>
+      </p:pic>
+    </p:spTree>
+  </p:cSld>
+  <p:clrMapOvr>
+    <a:masterClrMapping/>
+  </p:clrMapOvr>
+  <p:timing>
+    <p:tnLst>
+      <p:par>
+        <p:cTn id="1" dur="indefinite" restart="never" nodeType="tmRoot"/>
+      </p:par>
+    </p:tnLst>
+  </p:timing>
+</p:sld>
+</file>
+
+<file path=ppt/slides/slide5.xml><?xml version="1.0" encoding="utf-8"?>
+<p:sld xmlns:a="http://schemas.openxmlformats.org/drawingml/2006/main" xmlns:r="http://schemas.openxmlformats.org/officeDocument/2006/relationships" xmlns:mc="http://schemas.openxmlformats.org/markup-compatibility/2006" xmlns:mv="urn:schemas-microsoft-com:mac:vml" xmlns:p="http://schemas.openxmlformats.org/presentationml/2006/main" mc:Ignorable="mv" mc:PreserveAttributes="mv:*">
+  <p:cSld>
+    <p:spTree>
+      <p:nvGrpSpPr>
+        <p:cNvPr id="1" name=""/>
+        <p:cNvGrpSpPr/>
+        <p:nvPr/>
+      </p:nvGrpSpPr>
+      <p:grpSpPr>
+        <a:xfrm>
+          <a:off x="0" y="0"/>
+          <a:ext cx="0" cy="0"/>
+          <a:chOff x="0" y="0"/>
+          <a:chExt cx="0" cy="0"/>
+        </a:xfrm>
+      </p:grpSpPr>
+      <p:sp>
+        <p:nvSpPr>
+          <p:cNvPr id="2" name="Title 1"/>
+          <p:cNvSpPr>
+            <a:spLocks noGrp="1"/>
+          </p:cNvSpPr>
+          <p:nvPr>
+            <p:ph type="title"/>
+          </p:nvPr>
+        </p:nvSpPr>
+        <p:spPr/>
+        <p:txBody>
+          <a:bodyPr/>
+          <a:lstStyle/>
+          <a:p>
+            <a:r>
+              <a:rPr lang="en-US" dirty="0" err="1" smtClean="0"/>
+              <a:t>SneakerNet</a:t>
+            </a:r>
+            <a:endParaRPr lang="en-US" dirty="0"/>
+          </a:p>
+        </p:txBody>
+      </p:sp>
+      <p:pic>
+        <p:nvPicPr>
+          <p:cNvPr id="9" name="Content Placeholder 8" descr="bgi_data.png"/>
+          <p:cNvPicPr>
+            <a:picLocks noGrp="1" noChangeAspect="1"/>
+          </p:cNvPicPr>
+          <p:nvPr>
+            <p:ph idx="1"/>
+          </p:nvPr>
+        </p:nvPicPr>
+        <p:blipFill>
+          <a:blip r:embed="rId2"/>
+          <a:srcRect l="-19260" r="-19260"/>
+          <a:stretch>
+            <a:fillRect/>
+          </a:stretch>
+        </p:blipFill>
+        <p:spPr>
+          <a:effectLst>
+            <a:outerShdw blurRad="50800" dist="38100" dir="2700000" algn="tl" rotWithShape="0">
+              <a:srgbClr val="000000">
+                <a:alpha val="43000"/>
+              </a:srgbClr>
+            </a:outerShdw>
+          </a:effectLst>
+        </p:spPr>
+      </p:pic>
+    </p:spTree>
+  </p:cSld>
+  <p:clrMapOvr>
+    <a:masterClrMapping/>
+  </p:clrMapOvr>
+  <p:timing>
+    <p:tnLst>
+      <p:par>
+        <p:cTn id="1" dur="indefinite" restart="never" nodeType="tmRoot"/>
+      </p:par>
+    </p:tnLst>
+  </p:timing>
+</p:sld>
+</file>
+
+<file path=ppt/slides/slide6.xml><?xml version="1.0" encoding="utf-8"?>
+<p:sld xmlns:a="http://schemas.openxmlformats.org/drawingml/2006/main" xmlns:r="http://schemas.openxmlformats.org/officeDocument/2006/relationships" xmlns:mc="http://schemas.openxmlformats.org/markup-compatibility/2006" xmlns:mv="urn:schemas-microsoft-com:mac:vml" xmlns:p="http://schemas.openxmlformats.org/presentationml/2006/main" mc:Ignorable="mv" mc:PreserveAttributes="mv:*">
+  <p:cSld>
+    <p:spTree>
+      <p:nvGrpSpPr>
+        <p:cNvPr id="1" name=""/>
+        <p:cNvGrpSpPr/>
+        <p:nvPr/>
+      </p:nvGrpSpPr>
+      <p:grpSpPr>
+        <a:xfrm>
+          <a:off x="0" y="0"/>
+          <a:ext cx="0" cy="0"/>
+          <a:chOff x="0" y="0"/>
+          <a:chExt cx="0" cy="0"/>
+        </a:xfrm>
+      </p:grpSpPr>
+      <p:sp>
+        <p:nvSpPr>
+          <p:cNvPr id="2" name="Title 1"/>
+          <p:cNvSpPr>
+            <a:spLocks noGrp="1"/>
+          </p:cNvSpPr>
+          <p:nvPr>
+            <p:ph type="title"/>
+          </p:nvPr>
+        </p:nvSpPr>
+        <p:spPr/>
+        <p:txBody>
+          <a:bodyPr/>
+          <a:lstStyle/>
+          <a:p>
+            <a:r>
+              <a:rPr lang="en-US" dirty="0" smtClean="0"/>
+              <a:t>Internet data sharing</a:t>
+            </a:r>
+            <a:endParaRPr lang="en-US" dirty="0"/>
+          </a:p>
+        </p:txBody>
+      </p:sp>
+      <p:sp>
+        <p:nvSpPr>
+          <p:cNvPr id="4" name="Content Placeholder 3"/>
+          <p:cNvSpPr>
+            <a:spLocks noGrp="1"/>
+          </p:cNvSpPr>
+          <p:nvPr>
+            <p:ph sz="half" idx="1"/>
+          </p:nvPr>
+        </p:nvSpPr>
+        <p:spPr>
+          <a:xfrm>
+            <a:off x="381000" y="1600200"/>
+            <a:ext cx="4038600" cy="4525963"/>
+          </a:xfrm>
+        </p:spPr>
+        <p:txBody>
+          <a:bodyPr/>
+          <a:lstStyle/>
+          <a:p>
+            <a:r>
+              <a:rPr lang="en-US" dirty="0" smtClean="0"/>
+              <a:t>Relational </a:t>
+            </a:r>
+            <a:r>
+              <a:rPr lang="en-US" dirty="0" smtClean="0"/>
+              <a:t>databases</a:t>
+            </a:r>
+            <a:endParaRPr lang="en-US" dirty="0" smtClean="0"/>
+          </a:p>
+          <a:p>
+            <a:r>
+              <a:rPr lang="en-US" dirty="0" smtClean="0"/>
+              <a:t>File servers</a:t>
+            </a:r>
+          </a:p>
+          <a:p>
+            <a:pPr lvl="1"/>
+            <a:r>
+              <a:rPr lang="en-US" dirty="0" smtClean="0"/>
+              <a:t>FTP</a:t>
+            </a:r>
+          </a:p>
+          <a:p>
+            <a:pPr lvl="1"/>
+            <a:r>
+              <a:rPr lang="en-US" dirty="0" err="1" smtClean="0"/>
+              <a:t>Rsync</a:t>
+            </a:r>
+            <a:endParaRPr lang="en-US" dirty="0" smtClean="0"/>
+          </a:p>
+          <a:p>
+            <a:pPr lvl="1"/>
+            <a:r>
+              <a:rPr lang="en-US" dirty="0" err="1" smtClean="0"/>
+              <a:t>WebDAV</a:t>
+            </a:r>
+            <a:endParaRPr lang="en-US" dirty="0" smtClean="0"/>
+          </a:p>
+          <a:p>
+            <a:pPr lvl="1"/>
+            <a:r>
+              <a:rPr lang="en-US" dirty="0" smtClean="0"/>
+              <a:t>HTTP</a:t>
+            </a:r>
+          </a:p>
+          <a:p>
+            <a:pPr lvl="1"/>
+            <a:r>
+              <a:rPr lang="en-US" dirty="0" smtClean="0"/>
+              <a:t>Version control</a:t>
+            </a:r>
+          </a:p>
+          <a:p>
+            <a:r>
+              <a:rPr lang="en-US" dirty="0" smtClean="0"/>
+              <a:t>Peer-to-peer</a:t>
+            </a:r>
+          </a:p>
+          <a:p>
+            <a:pPr lvl="1"/>
+            <a:r>
+              <a:rPr lang="en-US" dirty="0" err="1" smtClean="0"/>
+              <a:t>Biotorrents</a:t>
+            </a:r>
+            <a:endParaRPr lang="en-US" dirty="0" smtClean="0"/>
+          </a:p>
+        </p:txBody>
+      </p:sp>
+      <p:pic>
+        <p:nvPicPr>
+          <p:cNvPr id="10" name="Content Placeholder 9" descr="biotorrents.png"/>
+          <p:cNvPicPr>
+            <a:picLocks noGrp="1" noChangeAspect="1"/>
+          </p:cNvPicPr>
+          <p:nvPr>
+            <p:ph sz="half" idx="2"/>
+          </p:nvPr>
+        </p:nvPicPr>
+        <p:blipFill>
+          <a:blip r:embed="rId2"/>
+          <a:srcRect/>
+          <a:stretch>
+            <a:fillRect/>
+          </a:stretch>
+        </p:blipFill>
+        <p:spPr>
+          <a:xfrm>
+            <a:off x="4114800" y="1828800"/>
+            <a:ext cx="4617650" cy="3962399"/>
+          </a:xfrm>
+        </p:spPr>
+      </p:pic>
+    </p:spTree>
+  </p:cSld>
+  <p:clrMapOvr>
+    <a:masterClrMapping/>
+  </p:clrMapOvr>
+  <p:timing>
+    <p:tnLst>
+      <p:par>
+        <p:cTn id="1" dur="indefinite" restart="never" nodeType="tmRoot"/>
+      </p:par>
+    </p:tnLst>
+  </p:timing>
+</p:sld>
+</file>
+
+<file path=ppt/slides/slide7.xml><?xml version="1.0" encoding="utf-8"?>
+<p:sld xmlns:a="http://schemas.openxmlformats.org/drawingml/2006/main" xmlns:r="http://schemas.openxmlformats.org/officeDocument/2006/relationships" xmlns:mc="http://schemas.openxmlformats.org/markup-compatibility/2006" xmlns:mv="urn:schemas-microsoft-com:mac:vml" xmlns:p="http://schemas.openxmlformats.org/presentationml/2006/main" mc:Ignorable="mv" mc:PreserveAttributes="mv:*">
+  <p:cSld>
+    <p:spTree>
+      <p:nvGrpSpPr>
+        <p:cNvPr id="1" name=""/>
+        <p:cNvGrpSpPr/>
+        <p:nvPr/>
+      </p:nvGrpSpPr>
+      <p:grpSpPr>
+        <a:xfrm>
+          <a:off x="0" y="0"/>
+          <a:ext cx="0" cy="0"/>
+          <a:chOff x="0" y="0"/>
+          <a:chExt cx="0" cy="0"/>
+        </a:xfrm>
+      </p:grpSpPr>
+      <p:sp>
+        <p:nvSpPr>
+          <p:cNvPr id="2" name="Title 1"/>
+          <p:cNvSpPr>
+            <a:spLocks noGrp="1"/>
+          </p:cNvSpPr>
+          <p:nvPr>
+            <p:ph type="title"/>
+          </p:nvPr>
+        </p:nvSpPr>
+        <p:spPr/>
+        <p:txBody>
+          <a:bodyPr/>
+          <a:lstStyle/>
+          <a:p>
+            <a:r>
+              <a:rPr lang="en-US" dirty="0" smtClean="0"/>
               <a:t>Proprietary systems</a:t>
             </a:r>
             <a:endParaRPr lang="en-US" dirty="0"/>
@@ -3870,11 +5753,7 @@
           <a:p>
             <a:r>
               <a:rPr lang="en-US" dirty="0" smtClean="0"/>
-              <a:t>Amazon</a:t>
-            </a:r>
-            <a:r>
-              <a:rPr lang="en-US" dirty="0" smtClean="0"/>
-              <a:t> S3</a:t>
+              <a:t>Amazon S3</a:t>
             </a:r>
             <a:endParaRPr lang="en-US" dirty="0"/>
           </a:p>
@@ -3926,687 +5805,6 @@
 </p:sld>
 </file>
 
-<file path=ppt/slides/slide13.xml><?xml version="1.0" encoding="utf-8"?>
-<p:sld xmlns:a="http://schemas.openxmlformats.org/drawingml/2006/main" xmlns:r="http://schemas.openxmlformats.org/officeDocument/2006/relationships" xmlns:mc="http://schemas.openxmlformats.org/markup-compatibility/2006" xmlns:mv="urn:schemas-microsoft-com:mac:vml" xmlns:p="http://schemas.openxmlformats.org/presentationml/2006/main" mc:Ignorable="mv" mc:PreserveAttributes="mv:*">
-  <p:cSld>
-    <p:spTree>
-      <p:nvGrpSpPr>
-        <p:cNvPr id="1" name=""/>
-        <p:cNvGrpSpPr/>
-        <p:nvPr/>
-      </p:nvGrpSpPr>
-      <p:grpSpPr>
-        <a:xfrm>
-          <a:off x="0" y="0"/>
-          <a:ext cx="0" cy="0"/>
-          <a:chOff x="0" y="0"/>
-          <a:chExt cx="0" cy="0"/>
-        </a:xfrm>
-      </p:grpSpPr>
-      <p:sp>
-        <p:nvSpPr>
-          <p:cNvPr id="2" name="Title 1"/>
-          <p:cNvSpPr>
-            <a:spLocks noGrp="1"/>
-          </p:cNvSpPr>
-          <p:nvPr>
-            <p:ph type="title"/>
-          </p:nvPr>
-        </p:nvSpPr>
-        <p:spPr/>
-        <p:txBody>
-          <a:bodyPr/>
-          <a:lstStyle/>
-          <a:p>
-            <a:r>
-              <a:rPr lang="en-US" dirty="0" smtClean="0"/>
-              <a:t>Galaxy data</a:t>
-            </a:r>
-            <a:endParaRPr lang="en-US" dirty="0"/>
-          </a:p>
-        </p:txBody>
-      </p:sp>
-      <p:sp>
-        <p:nvSpPr>
-          <p:cNvPr id="4" name="Content Placeholder 3"/>
-          <p:cNvSpPr>
-            <a:spLocks noGrp="1"/>
-          </p:cNvSpPr>
-          <p:nvPr>
-            <p:ph sz="half" idx="1"/>
-          </p:nvPr>
-        </p:nvSpPr>
-        <p:spPr/>
-        <p:txBody>
-          <a:bodyPr/>
-          <a:lstStyle/>
-          <a:p>
-            <a:endParaRPr lang="en-US"/>
-          </a:p>
-        </p:txBody>
-      </p:sp>
-      <p:pic>
-        <p:nvPicPr>
-          <p:cNvPr id="6" name="Content Placeholder 5" descr="galaxydata.png"/>
-          <p:cNvPicPr>
-            <a:picLocks noGrp="1" noChangeAspect="1"/>
-          </p:cNvPicPr>
-          <p:nvPr>
-            <p:ph sz="half" idx="2"/>
-          </p:nvPr>
-        </p:nvPicPr>
-        <p:blipFill>
-          <a:blip r:embed="rId2"/>
-          <a:srcRect t="-379" b="-379"/>
-          <a:stretch>
-            <a:fillRect/>
-          </a:stretch>
-        </p:blipFill>
-        <p:spPr>
-          <a:effectLst>
-            <a:outerShdw blurRad="50800" dist="38100" dir="2700000" algn="tl" rotWithShape="0">
-              <a:srgbClr val="000000">
-                <a:alpha val="43000"/>
-              </a:srgbClr>
-            </a:outerShdw>
-          </a:effectLst>
-        </p:spPr>
-      </p:pic>
-    </p:spTree>
-  </p:cSld>
-  <p:clrMapOvr>
-    <a:masterClrMapping/>
-  </p:clrMapOvr>
-  <p:timing>
-    <p:tnLst>
-      <p:par>
-        <p:cTn id="1" dur="indefinite" restart="never" nodeType="tmRoot"/>
-      </p:par>
-    </p:tnLst>
-  </p:timing>
-</p:sld>
-</file>
-
-<file path=ppt/slides/slide14.xml><?xml version="1.0" encoding="utf-8"?>
-<p:sld xmlns:a="http://schemas.openxmlformats.org/drawingml/2006/main" xmlns:r="http://schemas.openxmlformats.org/officeDocument/2006/relationships" xmlns:mc="http://schemas.openxmlformats.org/markup-compatibility/2006" xmlns:mv="urn:schemas-microsoft-com:mac:vml" xmlns:p="http://schemas.openxmlformats.org/presentationml/2006/main" mc:Ignorable="mv" mc:PreserveAttributes="mv:*">
-  <p:cSld>
-    <p:spTree>
-      <p:nvGrpSpPr>
-        <p:cNvPr id="1" name=""/>
-        <p:cNvGrpSpPr/>
-        <p:nvPr/>
-      </p:nvGrpSpPr>
-      <p:grpSpPr>
-        <a:xfrm>
-          <a:off x="0" y="0"/>
-          <a:ext cx="0" cy="0"/>
-          <a:chOff x="0" y="0"/>
-          <a:chExt cx="0" cy="0"/>
-        </a:xfrm>
-      </p:grpSpPr>
-      <p:sp>
-        <p:nvSpPr>
-          <p:cNvPr id="2" name="Title 1"/>
-          <p:cNvSpPr>
-            <a:spLocks noGrp="1"/>
-          </p:cNvSpPr>
-          <p:nvPr>
-            <p:ph type="title"/>
-          </p:nvPr>
-        </p:nvSpPr>
-        <p:spPr/>
-        <p:txBody>
-          <a:bodyPr/>
-          <a:lstStyle/>
-          <a:p>
-            <a:r>
-              <a:rPr lang="en-US" dirty="0" smtClean="0"/>
-              <a:t>Exercise: upload to galaxy</a:t>
-            </a:r>
-            <a:endParaRPr lang="en-US" dirty="0"/>
-          </a:p>
-        </p:txBody>
-      </p:sp>
-      <p:sp>
-        <p:nvSpPr>
-          <p:cNvPr id="3" name="Content Placeholder 2"/>
-          <p:cNvSpPr>
-            <a:spLocks noGrp="1"/>
-          </p:cNvSpPr>
-          <p:nvPr>
-            <p:ph idx="1"/>
-          </p:nvPr>
-        </p:nvSpPr>
-        <p:spPr/>
-        <p:txBody>
-          <a:bodyPr/>
-          <a:lstStyle/>
-          <a:p>
-            <a:endParaRPr lang="en-US"/>
-          </a:p>
-        </p:txBody>
-      </p:sp>
-    </p:spTree>
-  </p:cSld>
-  <p:clrMapOvr>
-    <a:masterClrMapping/>
-  </p:clrMapOvr>
-</p:sld>
-</file>
-
-<file path=ppt/slides/slide2.xml><?xml version="1.0" encoding="utf-8"?>
-<p:sld xmlns:a="http://schemas.openxmlformats.org/drawingml/2006/main" xmlns:r="http://schemas.openxmlformats.org/officeDocument/2006/relationships" xmlns:mc="http://schemas.openxmlformats.org/markup-compatibility/2006" xmlns:mv="urn:schemas-microsoft-com:mac:vml" xmlns:p="http://schemas.openxmlformats.org/presentationml/2006/main" mc:Ignorable="mv" mc:PreserveAttributes="mv:*">
-  <p:cSld>
-    <p:spTree>
-      <p:nvGrpSpPr>
-        <p:cNvPr id="1" name=""/>
-        <p:cNvGrpSpPr/>
-        <p:nvPr/>
-      </p:nvGrpSpPr>
-      <p:grpSpPr>
-        <a:xfrm>
-          <a:off x="0" y="0"/>
-          <a:ext cx="0" cy="0"/>
-          <a:chOff x="0" y="0"/>
-          <a:chExt cx="0" cy="0"/>
-        </a:xfrm>
-      </p:grpSpPr>
-      <p:sp>
-        <p:nvSpPr>
-          <p:cNvPr id="2" name="Title 1"/>
-          <p:cNvSpPr>
-            <a:spLocks noGrp="1"/>
-          </p:cNvSpPr>
-          <p:nvPr>
-            <p:ph type="title"/>
-          </p:nvPr>
-        </p:nvSpPr>
-        <p:spPr/>
-        <p:txBody>
-          <a:bodyPr/>
-          <a:lstStyle/>
-          <a:p>
-            <a:r>
-              <a:rPr lang="en-US" dirty="0" err="1" smtClean="0"/>
-              <a:t>SRA’s</a:t>
-            </a:r>
-            <a:r>
-              <a:rPr lang="en-US" dirty="0" smtClean="0"/>
-              <a:t> and data volume</a:t>
-            </a:r>
-            <a:endParaRPr lang="en-US" dirty="0"/>
-          </a:p>
-        </p:txBody>
-      </p:sp>
-      <p:sp>
-        <p:nvSpPr>
-          <p:cNvPr id="3" name="Content Placeholder 2"/>
-          <p:cNvSpPr>
-            <a:spLocks noGrp="1"/>
-          </p:cNvSpPr>
-          <p:nvPr>
-            <p:ph idx="1"/>
-          </p:nvPr>
-        </p:nvSpPr>
-        <p:spPr/>
-        <p:txBody>
-          <a:bodyPr/>
-          <a:lstStyle/>
-          <a:p>
-            <a:endParaRPr lang="en-US" dirty="0"/>
-          </a:p>
-        </p:txBody>
-      </p:sp>
-    </p:spTree>
-  </p:cSld>
-  <p:clrMapOvr>
-    <a:masterClrMapping/>
-  </p:clrMapOvr>
-</p:sld>
-</file>
-
-<file path=ppt/slides/slide3.xml><?xml version="1.0" encoding="utf-8"?>
-<p:sld xmlns:a="http://schemas.openxmlformats.org/drawingml/2006/main" xmlns:r="http://schemas.openxmlformats.org/officeDocument/2006/relationships" xmlns:mc="http://schemas.openxmlformats.org/markup-compatibility/2006" xmlns:mv="urn:schemas-microsoft-com:mac:vml" xmlns:p="http://schemas.openxmlformats.org/presentationml/2006/main" mc:Ignorable="mv" mc:PreserveAttributes="mv:*">
-  <p:cSld>
-    <p:spTree>
-      <p:nvGrpSpPr>
-        <p:cNvPr id="1" name=""/>
-        <p:cNvGrpSpPr/>
-        <p:nvPr/>
-      </p:nvGrpSpPr>
-      <p:grpSpPr>
-        <a:xfrm>
-          <a:off x="0" y="0"/>
-          <a:ext cx="0" cy="0"/>
-          <a:chOff x="0" y="0"/>
-          <a:chExt cx="0" cy="0"/>
-        </a:xfrm>
-      </p:grpSpPr>
-      <p:sp>
-        <p:nvSpPr>
-          <p:cNvPr id="2" name="Title 1"/>
-          <p:cNvSpPr>
-            <a:spLocks noGrp="1"/>
-          </p:cNvSpPr>
-          <p:nvPr>
-            <p:ph type="title"/>
-          </p:nvPr>
-        </p:nvSpPr>
-        <p:spPr/>
-        <p:txBody>
-          <a:bodyPr/>
-          <a:lstStyle/>
-          <a:p>
-            <a:r>
-              <a:rPr lang="en-US" dirty="0" err="1" smtClean="0"/>
-              <a:t>SneakerNet</a:t>
-            </a:r>
-            <a:endParaRPr lang="en-US" dirty="0"/>
-          </a:p>
-        </p:txBody>
-      </p:sp>
-      <p:sp>
-        <p:nvSpPr>
-          <p:cNvPr id="4" name="Content Placeholder 3"/>
-          <p:cNvSpPr>
-            <a:spLocks noGrp="1"/>
-          </p:cNvSpPr>
-          <p:nvPr>
-            <p:ph sz="half" idx="1"/>
-          </p:nvPr>
-        </p:nvSpPr>
-        <p:spPr/>
-        <p:txBody>
-          <a:bodyPr/>
-          <a:lstStyle/>
-          <a:p>
-            <a:endParaRPr lang="en-US" dirty="0"/>
-          </a:p>
-        </p:txBody>
-      </p:sp>
-      <p:pic>
-        <p:nvPicPr>
-          <p:cNvPr id="9" name="Content Placeholder 8" descr="bgi_data.png"/>
-          <p:cNvPicPr>
-            <a:picLocks noGrp="1" noChangeAspect="1"/>
-          </p:cNvPicPr>
-          <p:nvPr>
-            <p:ph sz="half" idx="2"/>
-          </p:nvPr>
-        </p:nvPicPr>
-        <p:blipFill>
-          <a:blip r:embed="rId2"/>
-          <a:srcRect/>
-          <a:stretch>
-            <a:fillRect/>
-          </a:stretch>
-        </p:blipFill>
-        <p:spPr>
-          <a:xfrm>
-            <a:off x="4648200" y="2324847"/>
-            <a:ext cx="4038600" cy="3076669"/>
-          </a:xfrm>
-          <a:effectLst>
-            <a:outerShdw blurRad="50800" dist="38100" dir="2700000" algn="tl" rotWithShape="0">
-              <a:srgbClr val="000000">
-                <a:alpha val="43000"/>
-              </a:srgbClr>
-            </a:outerShdw>
-          </a:effectLst>
-        </p:spPr>
-      </p:pic>
-    </p:spTree>
-  </p:cSld>
-  <p:clrMapOvr>
-    <a:masterClrMapping/>
-  </p:clrMapOvr>
-</p:sld>
-</file>
-
-<file path=ppt/slides/slide4.xml><?xml version="1.0" encoding="utf-8"?>
-<p:sld xmlns:a="http://schemas.openxmlformats.org/drawingml/2006/main" xmlns:r="http://schemas.openxmlformats.org/officeDocument/2006/relationships" xmlns:mc="http://schemas.openxmlformats.org/markup-compatibility/2006" xmlns:mv="urn:schemas-microsoft-com:mac:vml" xmlns:p="http://schemas.openxmlformats.org/presentationml/2006/main" mc:Ignorable="mv" mc:PreserveAttributes="mv:*">
-  <p:cSld>
-    <p:spTree>
-      <p:nvGrpSpPr>
-        <p:cNvPr id="1" name=""/>
-        <p:cNvGrpSpPr/>
-        <p:nvPr/>
-      </p:nvGrpSpPr>
-      <p:grpSpPr>
-        <a:xfrm>
-          <a:off x="0" y="0"/>
-          <a:ext cx="0" cy="0"/>
-          <a:chOff x="0" y="0"/>
-          <a:chExt cx="0" cy="0"/>
-        </a:xfrm>
-      </p:grpSpPr>
-      <p:sp>
-        <p:nvSpPr>
-          <p:cNvPr id="2" name="Title 1"/>
-          <p:cNvSpPr>
-            <a:spLocks noGrp="1"/>
-          </p:cNvSpPr>
-          <p:nvPr>
-            <p:ph type="title"/>
-          </p:nvPr>
-        </p:nvSpPr>
-        <p:spPr/>
-        <p:txBody>
-          <a:bodyPr/>
-          <a:lstStyle/>
-          <a:p>
-            <a:r>
-              <a:rPr lang="en-US" dirty="0" smtClean="0"/>
-              <a:t>Databases</a:t>
-            </a:r>
-            <a:endParaRPr lang="en-US" dirty="0"/>
-          </a:p>
-        </p:txBody>
-      </p:sp>
-      <p:sp>
-        <p:nvSpPr>
-          <p:cNvPr id="4" name="Content Placeholder 3"/>
-          <p:cNvSpPr>
-            <a:spLocks noGrp="1"/>
-          </p:cNvSpPr>
-          <p:nvPr>
-            <p:ph sz="half" idx="1"/>
-          </p:nvPr>
-        </p:nvSpPr>
-        <p:spPr/>
-        <p:txBody>
-          <a:bodyPr/>
-          <a:lstStyle/>
-          <a:p>
-            <a:endParaRPr lang="en-US"/>
-          </a:p>
-        </p:txBody>
-      </p:sp>
-      <p:sp>
-        <p:nvSpPr>
-          <p:cNvPr id="5" name="Content Placeholder 4"/>
-          <p:cNvSpPr>
-            <a:spLocks noGrp="1"/>
-          </p:cNvSpPr>
-          <p:nvPr>
-            <p:ph sz="half" idx="2"/>
-          </p:nvPr>
-        </p:nvSpPr>
-        <p:spPr/>
-        <p:txBody>
-          <a:bodyPr/>
-          <a:lstStyle/>
-          <a:p>
-            <a:endParaRPr lang="en-US"/>
-          </a:p>
-        </p:txBody>
-      </p:sp>
-    </p:spTree>
-  </p:cSld>
-  <p:clrMapOvr>
-    <a:masterClrMapping/>
-  </p:clrMapOvr>
-</p:sld>
-</file>
-
-<file path=ppt/slides/slide5.xml><?xml version="1.0" encoding="utf-8"?>
-<p:sld xmlns:a="http://schemas.openxmlformats.org/drawingml/2006/main" xmlns:r="http://schemas.openxmlformats.org/officeDocument/2006/relationships" xmlns:mc="http://schemas.openxmlformats.org/markup-compatibility/2006" xmlns:mv="urn:schemas-microsoft-com:mac:vml" xmlns:p="http://schemas.openxmlformats.org/presentationml/2006/main" mc:Ignorable="mv" mc:PreserveAttributes="mv:*">
-  <p:cSld>
-    <p:spTree>
-      <p:nvGrpSpPr>
-        <p:cNvPr id="1" name=""/>
-        <p:cNvGrpSpPr/>
-        <p:nvPr/>
-      </p:nvGrpSpPr>
-      <p:grpSpPr>
-        <a:xfrm>
-          <a:off x="0" y="0"/>
-          <a:ext cx="0" cy="0"/>
-          <a:chOff x="0" y="0"/>
-          <a:chExt cx="0" cy="0"/>
-        </a:xfrm>
-      </p:grpSpPr>
-      <p:sp>
-        <p:nvSpPr>
-          <p:cNvPr id="2" name="Title 1"/>
-          <p:cNvSpPr>
-            <a:spLocks noGrp="1"/>
-          </p:cNvSpPr>
-          <p:nvPr>
-            <p:ph type="title"/>
-          </p:nvPr>
-        </p:nvSpPr>
-        <p:spPr/>
-        <p:txBody>
-          <a:bodyPr/>
-          <a:lstStyle/>
-          <a:p>
-            <a:r>
-              <a:rPr lang="en-US" dirty="0" smtClean="0"/>
-              <a:t>Semantic web</a:t>
-            </a:r>
-            <a:endParaRPr lang="en-US" dirty="0"/>
-          </a:p>
-        </p:txBody>
-      </p:sp>
-      <p:sp>
-        <p:nvSpPr>
-          <p:cNvPr id="4" name="Content Placeholder 3"/>
-          <p:cNvSpPr>
-            <a:spLocks noGrp="1"/>
-          </p:cNvSpPr>
-          <p:nvPr>
-            <p:ph sz="half" idx="1"/>
-          </p:nvPr>
-        </p:nvSpPr>
-        <p:spPr/>
-        <p:txBody>
-          <a:bodyPr/>
-          <a:lstStyle/>
-          <a:p>
-            <a:endParaRPr lang="en-US"/>
-          </a:p>
-        </p:txBody>
-      </p:sp>
-      <p:pic>
-        <p:nvPicPr>
-          <p:cNvPr id="6" name="Content Placeholder 5" descr="lod-datasets_2009-03-27_colored.png"/>
-          <p:cNvPicPr>
-            <a:picLocks noGrp="1" noChangeAspect="1"/>
-          </p:cNvPicPr>
-          <p:nvPr>
-            <p:ph sz="half" idx="2"/>
-          </p:nvPr>
-        </p:nvPicPr>
-        <p:blipFill>
-          <a:blip r:embed="rId2"/>
-          <a:srcRect t="-23320" b="-23320"/>
-          <a:stretch>
-            <a:fillRect/>
-          </a:stretch>
-        </p:blipFill>
-        <p:spPr/>
-      </p:pic>
-    </p:spTree>
-  </p:cSld>
-  <p:clrMapOvr>
-    <a:masterClrMapping/>
-  </p:clrMapOvr>
-</p:sld>
-</file>
-
-<file path=ppt/slides/slide6.xml><?xml version="1.0" encoding="utf-8"?>
-<p:sld xmlns:a="http://schemas.openxmlformats.org/drawingml/2006/main" xmlns:r="http://schemas.openxmlformats.org/officeDocument/2006/relationships" xmlns:mc="http://schemas.openxmlformats.org/markup-compatibility/2006" xmlns:mv="urn:schemas-microsoft-com:mac:vml" xmlns:p="http://schemas.openxmlformats.org/presentationml/2006/main" mc:Ignorable="mv" mc:PreserveAttributes="mv:*">
-  <p:cSld>
-    <p:spTree>
-      <p:nvGrpSpPr>
-        <p:cNvPr id="1" name=""/>
-        <p:cNvGrpSpPr/>
-        <p:nvPr/>
-      </p:nvGrpSpPr>
-      <p:grpSpPr>
-        <a:xfrm>
-          <a:off x="0" y="0"/>
-          <a:ext cx="0" cy="0"/>
-          <a:chOff x="0" y="0"/>
-          <a:chExt cx="0" cy="0"/>
-        </a:xfrm>
-      </p:grpSpPr>
-      <p:sp>
-        <p:nvSpPr>
-          <p:cNvPr id="2" name="Title 1"/>
-          <p:cNvSpPr>
-            <a:spLocks noGrp="1"/>
-          </p:cNvSpPr>
-          <p:nvPr>
-            <p:ph type="title"/>
-          </p:nvPr>
-        </p:nvSpPr>
-        <p:spPr/>
-        <p:txBody>
-          <a:bodyPr/>
-          <a:lstStyle/>
-          <a:p>
-            <a:r>
-              <a:rPr lang="en-US" dirty="0" smtClean="0"/>
-              <a:t>Open data</a:t>
-            </a:r>
-            <a:endParaRPr lang="en-US" dirty="0"/>
-          </a:p>
-        </p:txBody>
-      </p:sp>
-      <p:sp>
-        <p:nvSpPr>
-          <p:cNvPr id="4" name="Content Placeholder 3"/>
-          <p:cNvSpPr>
-            <a:spLocks noGrp="1"/>
-          </p:cNvSpPr>
-          <p:nvPr>
-            <p:ph sz="half" idx="1"/>
-          </p:nvPr>
-        </p:nvSpPr>
-        <p:spPr/>
-        <p:txBody>
-          <a:bodyPr/>
-          <a:lstStyle/>
-          <a:p>
-            <a:endParaRPr lang="en-US"/>
-          </a:p>
-        </p:txBody>
-      </p:sp>
-      <p:sp>
-        <p:nvSpPr>
-          <p:cNvPr id="5" name="Content Placeholder 4"/>
-          <p:cNvSpPr>
-            <a:spLocks noGrp="1"/>
-          </p:cNvSpPr>
-          <p:nvPr>
-            <p:ph sz="half" idx="2"/>
-          </p:nvPr>
-        </p:nvSpPr>
-        <p:spPr/>
-        <p:txBody>
-          <a:bodyPr/>
-          <a:lstStyle/>
-          <a:p>
-            <a:endParaRPr lang="en-US"/>
-          </a:p>
-        </p:txBody>
-      </p:sp>
-    </p:spTree>
-  </p:cSld>
-  <p:clrMapOvr>
-    <a:masterClrMapping/>
-  </p:clrMapOvr>
-</p:sld>
-</file>
-
-<file path=ppt/slides/slide7.xml><?xml version="1.0" encoding="utf-8"?>
-<p:sld xmlns:a="http://schemas.openxmlformats.org/drawingml/2006/main" xmlns:r="http://schemas.openxmlformats.org/officeDocument/2006/relationships" xmlns:mc="http://schemas.openxmlformats.org/markup-compatibility/2006" xmlns:mv="urn:schemas-microsoft-com:mac:vml" xmlns:p="http://schemas.openxmlformats.org/presentationml/2006/main" mc:Ignorable="mv" mc:PreserveAttributes="mv:*">
-  <p:cSld>
-    <p:spTree>
-      <p:nvGrpSpPr>
-        <p:cNvPr id="1" name=""/>
-        <p:cNvGrpSpPr/>
-        <p:nvPr/>
-      </p:nvGrpSpPr>
-      <p:grpSpPr>
-        <a:xfrm>
-          <a:off x="0" y="0"/>
-          <a:ext cx="0" cy="0"/>
-          <a:chOff x="0" y="0"/>
-          <a:chExt cx="0" cy="0"/>
-        </a:xfrm>
-      </p:grpSpPr>
-      <p:sp>
-        <p:nvSpPr>
-          <p:cNvPr id="2" name="Title 1"/>
-          <p:cNvSpPr>
-            <a:spLocks noGrp="1"/>
-          </p:cNvSpPr>
-          <p:nvPr>
-            <p:ph type="title"/>
-          </p:nvPr>
-        </p:nvSpPr>
-        <p:spPr/>
-        <p:txBody>
-          <a:bodyPr/>
-          <a:lstStyle/>
-          <a:p>
-            <a:r>
-              <a:rPr lang="en-US" dirty="0" smtClean="0"/>
-              <a:t>FTP</a:t>
-            </a:r>
-            <a:endParaRPr lang="en-US" dirty="0"/>
-          </a:p>
-        </p:txBody>
-      </p:sp>
-      <p:sp>
-        <p:nvSpPr>
-          <p:cNvPr id="4" name="Content Placeholder 3"/>
-          <p:cNvSpPr>
-            <a:spLocks noGrp="1"/>
-          </p:cNvSpPr>
-          <p:nvPr>
-            <p:ph sz="half" idx="1"/>
-          </p:nvPr>
-        </p:nvSpPr>
-        <p:spPr/>
-        <p:txBody>
-          <a:bodyPr/>
-          <a:lstStyle/>
-          <a:p>
-            <a:endParaRPr lang="en-US"/>
-          </a:p>
-        </p:txBody>
-      </p:sp>
-      <p:sp>
-        <p:nvSpPr>
-          <p:cNvPr id="5" name="Content Placeholder 4"/>
-          <p:cNvSpPr>
-            <a:spLocks noGrp="1"/>
-          </p:cNvSpPr>
-          <p:nvPr>
-            <p:ph sz="half" idx="2"/>
-          </p:nvPr>
-        </p:nvSpPr>
-        <p:spPr/>
-        <p:txBody>
-          <a:bodyPr/>
-          <a:lstStyle/>
-          <a:p>
-            <a:endParaRPr lang="en-US"/>
-          </a:p>
-        </p:txBody>
-      </p:sp>
-    </p:spTree>
-  </p:cSld>
-  <p:clrMapOvr>
-    <a:masterClrMapping/>
-  </p:clrMapOvr>
-</p:sld>
-</file>
-
 <file path=ppt/slides/slide8.xml><?xml version="1.0" encoding="utf-8"?>
 <p:sld xmlns:a="http://schemas.openxmlformats.org/drawingml/2006/main" xmlns:r="http://schemas.openxmlformats.org/officeDocument/2006/relationships" xmlns:mc="http://schemas.openxmlformats.org/markup-compatibility/2006" xmlns:mv="urn:schemas-microsoft-com:mac:vml" xmlns:p="http://schemas.openxmlformats.org/presentationml/2006/main" mc:Ignorable="mv" mc:PreserveAttributes="mv:*">
   <p:cSld>
@@ -4640,8 +5838,8 @@
           <a:lstStyle/>
           <a:p>
             <a:r>
-              <a:rPr lang="en-US" dirty="0" err="1" smtClean="0"/>
-              <a:t>Rsync</a:t>
+              <a:rPr lang="en-US" dirty="0" smtClean="0"/>
+              <a:t>Open data</a:t>
             </a:r>
             <a:endParaRPr lang="en-US" dirty="0"/>
           </a:p>
@@ -4649,39 +5847,107 @@
       </p:sp>
       <p:sp>
         <p:nvSpPr>
-          <p:cNvPr id="4" name="Content Placeholder 3"/>
-          <p:cNvSpPr>
-            <a:spLocks noGrp="1"/>
-          </p:cNvSpPr>
-          <p:nvPr>
-            <p:ph sz="half" idx="1"/>
-          </p:nvPr>
-        </p:nvSpPr>
-        <p:spPr/>
-        <p:txBody>
-          <a:bodyPr/>
-          <a:lstStyle/>
-          <a:p>
-            <a:endParaRPr lang="en-US"/>
-          </a:p>
-        </p:txBody>
-      </p:sp>
-      <p:sp>
-        <p:nvSpPr>
-          <p:cNvPr id="5" name="Content Placeholder 4"/>
-          <p:cNvSpPr>
-            <a:spLocks noGrp="1"/>
-          </p:cNvSpPr>
-          <p:nvPr>
-            <p:ph sz="half" idx="2"/>
-          </p:nvPr>
-        </p:nvSpPr>
-        <p:spPr/>
-        <p:txBody>
-          <a:bodyPr/>
-          <a:lstStyle/>
-          <a:p>
-            <a:endParaRPr lang="en-US"/>
+          <p:cNvPr id="6" name="Content Placeholder 5"/>
+          <p:cNvSpPr>
+            <a:spLocks noGrp="1"/>
+          </p:cNvSpPr>
+          <p:nvPr>
+            <p:ph idx="1"/>
+          </p:nvPr>
+        </p:nvSpPr>
+        <p:spPr>
+          <a:xfrm>
+            <a:off x="457200" y="1600201"/>
+            <a:ext cx="8229600" cy="3810000"/>
+          </a:xfrm>
+        </p:spPr>
+        <p:txBody>
+          <a:bodyPr/>
+          <a:lstStyle/>
+          <a:p>
+            <a:pPr marL="0" indent="0" algn="ctr">
+              <a:spcBef>
+                <a:spcPts val="768"/>
+              </a:spcBef>
+              <a:buNone/>
+            </a:pPr>
+            <a:r>
+              <a:rPr lang="en-US" i="1" dirty="0" smtClean="0"/>
+              <a:t>"Science </a:t>
+            </a:r>
+            <a:r>
+              <a:rPr lang="en-US" i="1" dirty="0" smtClean="0"/>
+              <a:t>is based on building on, reusing and openly </a:t>
+            </a:r>
+            <a:r>
+              <a:rPr lang="en-US" i="1" dirty="0" err="1" smtClean="0"/>
+              <a:t>criticising</a:t>
+            </a:r>
+            <a:r>
+              <a:rPr lang="en-US" i="1" dirty="0" smtClean="0"/>
+              <a:t> the published body of scientific knowledge.</a:t>
+            </a:r>
+          </a:p>
+          <a:p>
+            <a:pPr marL="0" indent="0" algn="ctr">
+              <a:spcBef>
+                <a:spcPts val="768"/>
+              </a:spcBef>
+              <a:buNone/>
+            </a:pPr>
+            <a:r>
+              <a:rPr lang="en-US" i="1" dirty="0" smtClean="0"/>
+              <a:t>For science to effectively function, and for society to reap the full benefits from scientific </a:t>
+            </a:r>
+            <a:r>
+              <a:rPr lang="en-US" i="1" dirty="0" err="1" smtClean="0"/>
+              <a:t>endeavours</a:t>
+            </a:r>
+            <a:r>
+              <a:rPr lang="en-US" i="1" dirty="0" smtClean="0"/>
+              <a:t>, it is crucial that science data be made open</a:t>
+            </a:r>
+            <a:r>
+              <a:rPr lang="en-US" i="1" dirty="0" smtClean="0"/>
+              <a:t>."</a:t>
+            </a:r>
+          </a:p>
+          <a:p>
+            <a:endParaRPr lang="en-US" dirty="0"/>
+          </a:p>
+        </p:txBody>
+      </p:sp>
+      <p:sp>
+        <p:nvSpPr>
+          <p:cNvPr id="7" name="TextBox 6"/>
+          <p:cNvSpPr txBox="1"/>
+          <p:nvPr/>
+        </p:nvSpPr>
+        <p:spPr>
+          <a:xfrm>
+            <a:off x="4900973" y="5638800"/>
+            <a:ext cx="3018775" cy="461665"/>
+          </a:xfrm>
+          <a:prstGeom prst="rect">
+            <a:avLst/>
+          </a:prstGeom>
+          <a:noFill/>
+        </p:spPr>
+        <p:txBody>
+          <a:bodyPr wrap="none" rtlCol="0">
+            <a:spAutoFit/>
+          </a:bodyPr>
+          <a:lstStyle/>
+          <a:p>
+            <a:r>
+              <a:rPr lang="en-US" sz="2400" dirty="0" smtClean="0"/>
+              <a:t>-- </a:t>
+            </a:r>
+            <a:r>
+              <a:rPr lang="en-US" sz="2400" dirty="0" err="1" smtClean="0"/>
+              <a:t>PantonPrinciples.org</a:t>
+            </a:r>
+            <a:endParaRPr lang="en-US" sz="2400" dirty="0"/>
           </a:p>
         </p:txBody>
       </p:sp>
@@ -4690,6 +5956,13 @@
   <p:clrMapOvr>
     <a:masterClrMapping/>
   </p:clrMapOvr>
+  <p:timing>
+    <p:tnLst>
+      <p:par>
+        <p:cTn id="1" dur="indefinite" restart="never" nodeType="tmRoot"/>
+      </p:par>
+    </p:tnLst>
+  </p:timing>
 </p:sld>
 </file>
 
@@ -4726,56 +5999,49 @@
           <a:lstStyle/>
           <a:p>
             <a:r>
-              <a:rPr lang="en-US" dirty="0" err="1" smtClean="0"/>
-              <a:t>WebDAV</a:t>
+              <a:rPr lang="en-US" dirty="0" smtClean="0"/>
+              <a:t>Semantic web</a:t>
             </a:r>
             <a:endParaRPr lang="en-US" dirty="0"/>
           </a:p>
         </p:txBody>
       </p:sp>
-      <p:sp>
-        <p:nvSpPr>
-          <p:cNvPr id="4" name="Content Placeholder 3"/>
-          <p:cNvSpPr>
-            <a:spLocks noGrp="1"/>
-          </p:cNvSpPr>
-          <p:nvPr>
-            <p:ph sz="half" idx="1"/>
-          </p:nvPr>
-        </p:nvSpPr>
-        <p:spPr/>
-        <p:txBody>
-          <a:bodyPr/>
-          <a:lstStyle/>
-          <a:p>
-            <a:endParaRPr lang="en-US"/>
-          </a:p>
-        </p:txBody>
-      </p:sp>
-      <p:sp>
-        <p:nvSpPr>
-          <p:cNvPr id="5" name="Content Placeholder 4"/>
-          <p:cNvSpPr>
-            <a:spLocks noGrp="1"/>
-          </p:cNvSpPr>
-          <p:nvPr>
-            <p:ph sz="half" idx="2"/>
-          </p:nvPr>
-        </p:nvSpPr>
-        <p:spPr/>
-        <p:txBody>
-          <a:bodyPr/>
-          <a:lstStyle/>
-          <a:p>
-            <a:endParaRPr lang="en-US"/>
-          </a:p>
-        </p:txBody>
-      </p:sp>
+      <p:pic>
+        <p:nvPicPr>
+          <p:cNvPr id="6" name="Content Placeholder 5" descr="lod-datasets_2009-03-27_colored.png"/>
+          <p:cNvPicPr>
+            <a:picLocks noGrp="1" noChangeAspect="1"/>
+          </p:cNvPicPr>
+          <p:nvPr>
+            <p:ph idx="1"/>
+          </p:nvPr>
+        </p:nvPicPr>
+        <p:blipFill>
+          <a:blip r:embed="rId2"/>
+          <a:srcRect/>
+          <a:stretch>
+            <a:fillRect/>
+          </a:stretch>
+        </p:blipFill>
+        <p:spPr>
+          <a:xfrm>
+            <a:off x="927464" y="1143000"/>
+            <a:ext cx="7378336" cy="5638800"/>
+          </a:xfrm>
+        </p:spPr>
+      </p:pic>
     </p:spTree>
   </p:cSld>
   <p:clrMapOvr>
     <a:masterClrMapping/>
   </p:clrMapOvr>
+  <p:timing>
+    <p:tnLst>
+      <p:par>
+        <p:cTn id="1" dur="indefinite" restart="never" nodeType="tmRoot"/>
+      </p:par>
+    </p:tnLst>
+  </p:timing>
 </p:sld>
 </file>
 
